--- a/答辩PPT.pptx
+++ b/答辩PPT.pptx
@@ -5,16 +5,19 @@
     <p:sldMasterId id="2147483660" r:id="rId1"/>
   </p:sldMasterIdLst>
   <p:notesMasterIdLst>
-    <p:notesMasterId r:id="rId9"/>
+    <p:notesMasterId r:id="rId12"/>
   </p:notesMasterIdLst>
   <p:sldIdLst>
     <p:sldId id="256" r:id="rId2"/>
     <p:sldId id="257" r:id="rId3"/>
     <p:sldId id="265" r:id="rId4"/>
     <p:sldId id="275" r:id="rId5"/>
-    <p:sldId id="276" r:id="rId6"/>
-    <p:sldId id="272" r:id="rId7"/>
-    <p:sldId id="260" r:id="rId8"/>
+    <p:sldId id="278" r:id="rId6"/>
+    <p:sldId id="279" r:id="rId7"/>
+    <p:sldId id="277" r:id="rId8"/>
+    <p:sldId id="276" r:id="rId9"/>
+    <p:sldId id="280" r:id="rId10"/>
+    <p:sldId id="260" r:id="rId11"/>
   </p:sldIdLst>
   <p:sldSz cx="12192000" cy="6858000"/>
   <p:notesSz cx="6858000" cy="9144000"/>
@@ -1338,7 +1341,1047 @@
     </p:spTree>
     <p:extLst>
       <p:ext uri="{BB962C8B-B14F-4D97-AF65-F5344CB8AC3E}">
-        <p14:creationId xmlns:p14="http://schemas.microsoft.com/office/powerpoint/2010/main" val="1034800796"/>
+        <p14:creationId xmlns:p14="http://schemas.microsoft.com/office/powerpoint/2010/main" val="2529916578"/>
+      </p:ext>
+    </p:extLst>
+  </p:cSld>
+  <p:clrMapOvr>
+    <a:masterClrMapping/>
+  </p:clrMapOvr>
+</p:notes>
+</file>
+
+<file path=ppt/notesSlides/notesSlide4.xml><?xml version="1.0" encoding="utf-8"?>
+<p:notes xmlns:a="http://schemas.openxmlformats.org/drawingml/2006/main" xmlns:r="http://schemas.openxmlformats.org/officeDocument/2006/relationships" xmlns:p="http://schemas.openxmlformats.org/presentationml/2006/main">
+  <p:cSld>
+    <p:spTree>
+      <p:nvGrpSpPr>
+        <p:cNvPr id="1" name=""/>
+        <p:cNvGrpSpPr/>
+        <p:nvPr/>
+      </p:nvGrpSpPr>
+      <p:grpSpPr>
+        <a:xfrm>
+          <a:off x="0" y="0"/>
+          <a:ext cx="0" cy="0"/>
+          <a:chOff x="0" y="0"/>
+          <a:chExt cx="0" cy="0"/>
+        </a:xfrm>
+      </p:grpSpPr>
+      <p:sp>
+        <p:nvSpPr>
+          <p:cNvPr id="21506" name="幻灯片图像占位符 1"/>
+          <p:cNvSpPr>
+            <a:spLocks noGrp="1" noRot="1" noChangeAspect="1" noTextEdit="1"/>
+          </p:cNvSpPr>
+          <p:nvPr>
+            <p:ph type="sldImg"/>
+          </p:nvPr>
+        </p:nvSpPr>
+        <p:spPr bwMode="auto">
+          <a:noFill/>
+          <a:ln>
+            <a:solidFill>
+              <a:srgbClr val="000000"/>
+            </a:solidFill>
+            <a:miter lim="800000"/>
+            <a:headEnd/>
+            <a:tailEnd/>
+          </a:ln>
+          <a:extLst>
+            <a:ext uri="{909E8E84-426E-40DD-AFC4-6F175D3DCCD1}">
+              <a14:hiddenFill xmlns:a14="http://schemas.microsoft.com/office/drawing/2010/main">
+                <a:solidFill>
+                  <a:srgbClr val="FFFFFF"/>
+                </a:solidFill>
+              </a14:hiddenFill>
+            </a:ext>
+          </a:extLst>
+        </p:spPr>
+      </p:sp>
+      <p:sp>
+        <p:nvSpPr>
+          <p:cNvPr id="21507" name="备注占位符 2"/>
+          <p:cNvSpPr>
+            <a:spLocks noGrp="1"/>
+          </p:cNvSpPr>
+          <p:nvPr>
+            <p:ph type="body" idx="1"/>
+          </p:nvPr>
+        </p:nvSpPr>
+        <p:spPr bwMode="auto">
+          <a:noFill/>
+          <a:extLst>
+            <a:ext uri="{909E8E84-426E-40DD-AFC4-6F175D3DCCD1}">
+              <a14:hiddenFill xmlns:a14="http://schemas.microsoft.com/office/drawing/2010/main">
+                <a:solidFill>
+                  <a:srgbClr val="FFFFFF"/>
+                </a:solidFill>
+              </a14:hiddenFill>
+            </a:ext>
+            <a:ext uri="{91240B29-F687-4F45-9708-019B960494DF}">
+              <a14:hiddenLine xmlns:a14="http://schemas.microsoft.com/office/drawing/2010/main" w="9525">
+                <a:solidFill>
+                  <a:srgbClr val="000000"/>
+                </a:solidFill>
+                <a:miter lim="800000"/>
+                <a:headEnd/>
+                <a:tailEnd/>
+              </a14:hiddenLine>
+            </a:ext>
+          </a:extLst>
+        </p:spPr>
+        <p:txBody>
+          <a:bodyPr wrap="square" numCol="1" anchor="t" anchorCtr="0" compatLnSpc="1">
+            <a:prstTxWarp prst="textNoShape">
+              <a:avLst/>
+            </a:prstTxWarp>
+          </a:bodyPr>
+          <a:lstStyle/>
+          <a:p>
+            <a:endParaRPr lang="zh-CN" altLang="en-US"/>
+          </a:p>
+        </p:txBody>
+      </p:sp>
+      <p:sp>
+        <p:nvSpPr>
+          <p:cNvPr id="21508" name="灯片编号占位符 3"/>
+          <p:cNvSpPr>
+            <a:spLocks noGrp="1"/>
+          </p:cNvSpPr>
+          <p:nvPr>
+            <p:ph type="sldNum" sz="quarter" idx="5"/>
+          </p:nvPr>
+        </p:nvSpPr>
+        <p:spPr bwMode="auto">
+          <a:noFill/>
+          <a:extLst>
+            <a:ext uri="{909E8E84-426E-40DD-AFC4-6F175D3DCCD1}">
+              <a14:hiddenFill xmlns:a14="http://schemas.microsoft.com/office/drawing/2010/main">
+                <a:solidFill>
+                  <a:srgbClr val="FFFFFF"/>
+                </a:solidFill>
+              </a14:hiddenFill>
+            </a:ext>
+            <a:ext uri="{91240B29-F687-4F45-9708-019B960494DF}">
+              <a14:hiddenLine xmlns:a14="http://schemas.microsoft.com/office/drawing/2010/main" w="9525">
+                <a:solidFill>
+                  <a:srgbClr val="000000"/>
+                </a:solidFill>
+                <a:miter lim="800000"/>
+                <a:headEnd/>
+                <a:tailEnd/>
+              </a14:hiddenLine>
+            </a:ext>
+          </a:extLst>
+        </p:spPr>
+        <p:txBody>
+          <a:bodyPr wrap="square" numCol="1" anchorCtr="0" compatLnSpc="1">
+            <a:prstTxWarp prst="textNoShape">
+              <a:avLst/>
+            </a:prstTxWarp>
+          </a:bodyPr>
+          <a:lstStyle>
+            <a:lvl1pPr>
+              <a:defRPr>
+                <a:solidFill>
+                  <a:schemeClr val="tx1"/>
+                </a:solidFill>
+                <a:latin typeface="Arial" panose="020B0604020202020204" pitchFamily="34" charset="0"/>
+                <a:ea typeface="宋体" panose="02010600030101010101" pitchFamily="2" charset="-122"/>
+              </a:defRPr>
+            </a:lvl1pPr>
+            <a:lvl2pPr marL="742950" indent="-285750">
+              <a:defRPr>
+                <a:solidFill>
+                  <a:schemeClr val="tx1"/>
+                </a:solidFill>
+                <a:latin typeface="Arial" panose="020B0604020202020204" pitchFamily="34" charset="0"/>
+                <a:ea typeface="宋体" panose="02010600030101010101" pitchFamily="2" charset="-122"/>
+              </a:defRPr>
+            </a:lvl2pPr>
+            <a:lvl3pPr marL="1143000" indent="-228600">
+              <a:defRPr>
+                <a:solidFill>
+                  <a:schemeClr val="tx1"/>
+                </a:solidFill>
+                <a:latin typeface="Arial" panose="020B0604020202020204" pitchFamily="34" charset="0"/>
+                <a:ea typeface="宋体" panose="02010600030101010101" pitchFamily="2" charset="-122"/>
+              </a:defRPr>
+            </a:lvl3pPr>
+            <a:lvl4pPr marL="1600200" indent="-228600">
+              <a:defRPr>
+                <a:solidFill>
+                  <a:schemeClr val="tx1"/>
+                </a:solidFill>
+                <a:latin typeface="Arial" panose="020B0604020202020204" pitchFamily="34" charset="0"/>
+                <a:ea typeface="宋体" panose="02010600030101010101" pitchFamily="2" charset="-122"/>
+              </a:defRPr>
+            </a:lvl4pPr>
+            <a:lvl5pPr marL="2057400" indent="-228600">
+              <a:defRPr>
+                <a:solidFill>
+                  <a:schemeClr val="tx1"/>
+                </a:solidFill>
+                <a:latin typeface="Arial" panose="020B0604020202020204" pitchFamily="34" charset="0"/>
+                <a:ea typeface="宋体" panose="02010600030101010101" pitchFamily="2" charset="-122"/>
+              </a:defRPr>
+            </a:lvl5pPr>
+            <a:lvl6pPr marL="2514600" indent="-228600" eaLnBrk="0" fontAlgn="base" hangingPunct="0">
+              <a:spcBef>
+                <a:spcPct val="0"/>
+              </a:spcBef>
+              <a:spcAft>
+                <a:spcPct val="0"/>
+              </a:spcAft>
+              <a:defRPr>
+                <a:solidFill>
+                  <a:schemeClr val="tx1"/>
+                </a:solidFill>
+                <a:latin typeface="Arial" panose="020B0604020202020204" pitchFamily="34" charset="0"/>
+                <a:ea typeface="宋体" panose="02010600030101010101" pitchFamily="2" charset="-122"/>
+              </a:defRPr>
+            </a:lvl6pPr>
+            <a:lvl7pPr marL="2971800" indent="-228600" eaLnBrk="0" fontAlgn="base" hangingPunct="0">
+              <a:spcBef>
+                <a:spcPct val="0"/>
+              </a:spcBef>
+              <a:spcAft>
+                <a:spcPct val="0"/>
+              </a:spcAft>
+              <a:defRPr>
+                <a:solidFill>
+                  <a:schemeClr val="tx1"/>
+                </a:solidFill>
+                <a:latin typeface="Arial" panose="020B0604020202020204" pitchFamily="34" charset="0"/>
+                <a:ea typeface="宋体" panose="02010600030101010101" pitchFamily="2" charset="-122"/>
+              </a:defRPr>
+            </a:lvl7pPr>
+            <a:lvl8pPr marL="3429000" indent="-228600" eaLnBrk="0" fontAlgn="base" hangingPunct="0">
+              <a:spcBef>
+                <a:spcPct val="0"/>
+              </a:spcBef>
+              <a:spcAft>
+                <a:spcPct val="0"/>
+              </a:spcAft>
+              <a:defRPr>
+                <a:solidFill>
+                  <a:schemeClr val="tx1"/>
+                </a:solidFill>
+                <a:latin typeface="Arial" panose="020B0604020202020204" pitchFamily="34" charset="0"/>
+                <a:ea typeface="宋体" panose="02010600030101010101" pitchFamily="2" charset="-122"/>
+              </a:defRPr>
+            </a:lvl8pPr>
+            <a:lvl9pPr marL="3886200" indent="-228600" eaLnBrk="0" fontAlgn="base" hangingPunct="0">
+              <a:spcBef>
+                <a:spcPct val="0"/>
+              </a:spcBef>
+              <a:spcAft>
+                <a:spcPct val="0"/>
+              </a:spcAft>
+              <a:defRPr>
+                <a:solidFill>
+                  <a:schemeClr val="tx1"/>
+                </a:solidFill>
+                <a:latin typeface="Arial" panose="020B0604020202020204" pitchFamily="34" charset="0"/>
+                <a:ea typeface="宋体" panose="02010600030101010101" pitchFamily="2" charset="-122"/>
+              </a:defRPr>
+            </a:lvl9pPr>
+          </a:lstStyle>
+          <a:p>
+            <a:fld id="{D202B881-6ADD-43A4-8334-9183137054C6}" type="slidenum">
+              <a:rPr lang="zh-CN" altLang="en-US" smtClean="0"/>
+              <a:pPr/>
+              <a:t>6</a:t>
+            </a:fld>
+            <a:endParaRPr lang="zh-CN" altLang="en-US"/>
+          </a:p>
+        </p:txBody>
+      </p:sp>
+    </p:spTree>
+    <p:extLst>
+      <p:ext uri="{BB962C8B-B14F-4D97-AF65-F5344CB8AC3E}">
+        <p14:creationId xmlns:p14="http://schemas.microsoft.com/office/powerpoint/2010/main" val="4152314070"/>
+      </p:ext>
+    </p:extLst>
+  </p:cSld>
+  <p:clrMapOvr>
+    <a:masterClrMapping/>
+  </p:clrMapOvr>
+</p:notes>
+</file>
+
+<file path=ppt/notesSlides/notesSlide5.xml><?xml version="1.0" encoding="utf-8"?>
+<p:notes xmlns:a="http://schemas.openxmlformats.org/drawingml/2006/main" xmlns:r="http://schemas.openxmlformats.org/officeDocument/2006/relationships" xmlns:p="http://schemas.openxmlformats.org/presentationml/2006/main">
+  <p:cSld>
+    <p:spTree>
+      <p:nvGrpSpPr>
+        <p:cNvPr id="1" name=""/>
+        <p:cNvGrpSpPr/>
+        <p:nvPr/>
+      </p:nvGrpSpPr>
+      <p:grpSpPr>
+        <a:xfrm>
+          <a:off x="0" y="0"/>
+          <a:ext cx="0" cy="0"/>
+          <a:chOff x="0" y="0"/>
+          <a:chExt cx="0" cy="0"/>
+        </a:xfrm>
+      </p:grpSpPr>
+      <p:sp>
+        <p:nvSpPr>
+          <p:cNvPr id="21506" name="幻灯片图像占位符 1"/>
+          <p:cNvSpPr>
+            <a:spLocks noGrp="1" noRot="1" noChangeAspect="1" noTextEdit="1"/>
+          </p:cNvSpPr>
+          <p:nvPr>
+            <p:ph type="sldImg"/>
+          </p:nvPr>
+        </p:nvSpPr>
+        <p:spPr bwMode="auto">
+          <a:noFill/>
+          <a:ln>
+            <a:solidFill>
+              <a:srgbClr val="000000"/>
+            </a:solidFill>
+            <a:miter lim="800000"/>
+            <a:headEnd/>
+            <a:tailEnd/>
+          </a:ln>
+          <a:extLst>
+            <a:ext uri="{909E8E84-426E-40DD-AFC4-6F175D3DCCD1}">
+              <a14:hiddenFill xmlns:a14="http://schemas.microsoft.com/office/drawing/2010/main">
+                <a:solidFill>
+                  <a:srgbClr val="FFFFFF"/>
+                </a:solidFill>
+              </a14:hiddenFill>
+            </a:ext>
+          </a:extLst>
+        </p:spPr>
+      </p:sp>
+      <p:sp>
+        <p:nvSpPr>
+          <p:cNvPr id="21507" name="备注占位符 2"/>
+          <p:cNvSpPr>
+            <a:spLocks noGrp="1"/>
+          </p:cNvSpPr>
+          <p:nvPr>
+            <p:ph type="body" idx="1"/>
+          </p:nvPr>
+        </p:nvSpPr>
+        <p:spPr bwMode="auto">
+          <a:noFill/>
+          <a:extLst>
+            <a:ext uri="{909E8E84-426E-40DD-AFC4-6F175D3DCCD1}">
+              <a14:hiddenFill xmlns:a14="http://schemas.microsoft.com/office/drawing/2010/main">
+                <a:solidFill>
+                  <a:srgbClr val="FFFFFF"/>
+                </a:solidFill>
+              </a14:hiddenFill>
+            </a:ext>
+            <a:ext uri="{91240B29-F687-4F45-9708-019B960494DF}">
+              <a14:hiddenLine xmlns:a14="http://schemas.microsoft.com/office/drawing/2010/main" w="9525">
+                <a:solidFill>
+                  <a:srgbClr val="000000"/>
+                </a:solidFill>
+                <a:miter lim="800000"/>
+                <a:headEnd/>
+                <a:tailEnd/>
+              </a14:hiddenLine>
+            </a:ext>
+          </a:extLst>
+        </p:spPr>
+        <p:txBody>
+          <a:bodyPr wrap="square" numCol="1" anchor="t" anchorCtr="0" compatLnSpc="1">
+            <a:prstTxWarp prst="textNoShape">
+              <a:avLst/>
+            </a:prstTxWarp>
+          </a:bodyPr>
+          <a:lstStyle/>
+          <a:p>
+            <a:endParaRPr lang="zh-CN" altLang="en-US"/>
+          </a:p>
+        </p:txBody>
+      </p:sp>
+      <p:sp>
+        <p:nvSpPr>
+          <p:cNvPr id="21508" name="灯片编号占位符 3"/>
+          <p:cNvSpPr>
+            <a:spLocks noGrp="1"/>
+          </p:cNvSpPr>
+          <p:nvPr>
+            <p:ph type="sldNum" sz="quarter" idx="5"/>
+          </p:nvPr>
+        </p:nvSpPr>
+        <p:spPr bwMode="auto">
+          <a:noFill/>
+          <a:extLst>
+            <a:ext uri="{909E8E84-426E-40DD-AFC4-6F175D3DCCD1}">
+              <a14:hiddenFill xmlns:a14="http://schemas.microsoft.com/office/drawing/2010/main">
+                <a:solidFill>
+                  <a:srgbClr val="FFFFFF"/>
+                </a:solidFill>
+              </a14:hiddenFill>
+            </a:ext>
+            <a:ext uri="{91240B29-F687-4F45-9708-019B960494DF}">
+              <a14:hiddenLine xmlns:a14="http://schemas.microsoft.com/office/drawing/2010/main" w="9525">
+                <a:solidFill>
+                  <a:srgbClr val="000000"/>
+                </a:solidFill>
+                <a:miter lim="800000"/>
+                <a:headEnd/>
+                <a:tailEnd/>
+              </a14:hiddenLine>
+            </a:ext>
+          </a:extLst>
+        </p:spPr>
+        <p:txBody>
+          <a:bodyPr wrap="square" numCol="1" anchorCtr="0" compatLnSpc="1">
+            <a:prstTxWarp prst="textNoShape">
+              <a:avLst/>
+            </a:prstTxWarp>
+          </a:bodyPr>
+          <a:lstStyle>
+            <a:lvl1pPr>
+              <a:defRPr>
+                <a:solidFill>
+                  <a:schemeClr val="tx1"/>
+                </a:solidFill>
+                <a:latin typeface="Arial" panose="020B0604020202020204" pitchFamily="34" charset="0"/>
+                <a:ea typeface="宋体" panose="02010600030101010101" pitchFamily="2" charset="-122"/>
+              </a:defRPr>
+            </a:lvl1pPr>
+            <a:lvl2pPr marL="742950" indent="-285750">
+              <a:defRPr>
+                <a:solidFill>
+                  <a:schemeClr val="tx1"/>
+                </a:solidFill>
+                <a:latin typeface="Arial" panose="020B0604020202020204" pitchFamily="34" charset="0"/>
+                <a:ea typeface="宋体" panose="02010600030101010101" pitchFamily="2" charset="-122"/>
+              </a:defRPr>
+            </a:lvl2pPr>
+            <a:lvl3pPr marL="1143000" indent="-228600">
+              <a:defRPr>
+                <a:solidFill>
+                  <a:schemeClr val="tx1"/>
+                </a:solidFill>
+                <a:latin typeface="Arial" panose="020B0604020202020204" pitchFamily="34" charset="0"/>
+                <a:ea typeface="宋体" panose="02010600030101010101" pitchFamily="2" charset="-122"/>
+              </a:defRPr>
+            </a:lvl3pPr>
+            <a:lvl4pPr marL="1600200" indent="-228600">
+              <a:defRPr>
+                <a:solidFill>
+                  <a:schemeClr val="tx1"/>
+                </a:solidFill>
+                <a:latin typeface="Arial" panose="020B0604020202020204" pitchFamily="34" charset="0"/>
+                <a:ea typeface="宋体" panose="02010600030101010101" pitchFamily="2" charset="-122"/>
+              </a:defRPr>
+            </a:lvl4pPr>
+            <a:lvl5pPr marL="2057400" indent="-228600">
+              <a:defRPr>
+                <a:solidFill>
+                  <a:schemeClr val="tx1"/>
+                </a:solidFill>
+                <a:latin typeface="Arial" panose="020B0604020202020204" pitchFamily="34" charset="0"/>
+                <a:ea typeface="宋体" panose="02010600030101010101" pitchFamily="2" charset="-122"/>
+              </a:defRPr>
+            </a:lvl5pPr>
+            <a:lvl6pPr marL="2514600" indent="-228600" eaLnBrk="0" fontAlgn="base" hangingPunct="0">
+              <a:spcBef>
+                <a:spcPct val="0"/>
+              </a:spcBef>
+              <a:spcAft>
+                <a:spcPct val="0"/>
+              </a:spcAft>
+              <a:defRPr>
+                <a:solidFill>
+                  <a:schemeClr val="tx1"/>
+                </a:solidFill>
+                <a:latin typeface="Arial" panose="020B0604020202020204" pitchFamily="34" charset="0"/>
+                <a:ea typeface="宋体" panose="02010600030101010101" pitchFamily="2" charset="-122"/>
+              </a:defRPr>
+            </a:lvl6pPr>
+            <a:lvl7pPr marL="2971800" indent="-228600" eaLnBrk="0" fontAlgn="base" hangingPunct="0">
+              <a:spcBef>
+                <a:spcPct val="0"/>
+              </a:spcBef>
+              <a:spcAft>
+                <a:spcPct val="0"/>
+              </a:spcAft>
+              <a:defRPr>
+                <a:solidFill>
+                  <a:schemeClr val="tx1"/>
+                </a:solidFill>
+                <a:latin typeface="Arial" panose="020B0604020202020204" pitchFamily="34" charset="0"/>
+                <a:ea typeface="宋体" panose="02010600030101010101" pitchFamily="2" charset="-122"/>
+              </a:defRPr>
+            </a:lvl7pPr>
+            <a:lvl8pPr marL="3429000" indent="-228600" eaLnBrk="0" fontAlgn="base" hangingPunct="0">
+              <a:spcBef>
+                <a:spcPct val="0"/>
+              </a:spcBef>
+              <a:spcAft>
+                <a:spcPct val="0"/>
+              </a:spcAft>
+              <a:defRPr>
+                <a:solidFill>
+                  <a:schemeClr val="tx1"/>
+                </a:solidFill>
+                <a:latin typeface="Arial" panose="020B0604020202020204" pitchFamily="34" charset="0"/>
+                <a:ea typeface="宋体" panose="02010600030101010101" pitchFamily="2" charset="-122"/>
+              </a:defRPr>
+            </a:lvl8pPr>
+            <a:lvl9pPr marL="3886200" indent="-228600" eaLnBrk="0" fontAlgn="base" hangingPunct="0">
+              <a:spcBef>
+                <a:spcPct val="0"/>
+              </a:spcBef>
+              <a:spcAft>
+                <a:spcPct val="0"/>
+              </a:spcAft>
+              <a:defRPr>
+                <a:solidFill>
+                  <a:schemeClr val="tx1"/>
+                </a:solidFill>
+                <a:latin typeface="Arial" panose="020B0604020202020204" pitchFamily="34" charset="0"/>
+                <a:ea typeface="宋体" panose="02010600030101010101" pitchFamily="2" charset="-122"/>
+              </a:defRPr>
+            </a:lvl9pPr>
+          </a:lstStyle>
+          <a:p>
+            <a:fld id="{D202B881-6ADD-43A4-8334-9183137054C6}" type="slidenum">
+              <a:rPr lang="zh-CN" altLang="en-US" smtClean="0"/>
+              <a:pPr/>
+              <a:t>7</a:t>
+            </a:fld>
+            <a:endParaRPr lang="zh-CN" altLang="en-US"/>
+          </a:p>
+        </p:txBody>
+      </p:sp>
+    </p:spTree>
+    <p:extLst>
+      <p:ext uri="{BB962C8B-B14F-4D97-AF65-F5344CB8AC3E}">
+        <p14:creationId xmlns:p14="http://schemas.microsoft.com/office/powerpoint/2010/main" val="725201952"/>
+      </p:ext>
+    </p:extLst>
+  </p:cSld>
+  <p:clrMapOvr>
+    <a:masterClrMapping/>
+  </p:clrMapOvr>
+</p:notes>
+</file>
+
+<file path=ppt/notesSlides/notesSlide6.xml><?xml version="1.0" encoding="utf-8"?>
+<p:notes xmlns:a="http://schemas.openxmlformats.org/drawingml/2006/main" xmlns:r="http://schemas.openxmlformats.org/officeDocument/2006/relationships" xmlns:p="http://schemas.openxmlformats.org/presentationml/2006/main">
+  <p:cSld>
+    <p:spTree>
+      <p:nvGrpSpPr>
+        <p:cNvPr id="1" name=""/>
+        <p:cNvGrpSpPr/>
+        <p:nvPr/>
+      </p:nvGrpSpPr>
+      <p:grpSpPr>
+        <a:xfrm>
+          <a:off x="0" y="0"/>
+          <a:ext cx="0" cy="0"/>
+          <a:chOff x="0" y="0"/>
+          <a:chExt cx="0" cy="0"/>
+        </a:xfrm>
+      </p:grpSpPr>
+      <p:sp>
+        <p:nvSpPr>
+          <p:cNvPr id="21506" name="幻灯片图像占位符 1"/>
+          <p:cNvSpPr>
+            <a:spLocks noGrp="1" noRot="1" noChangeAspect="1" noTextEdit="1"/>
+          </p:cNvSpPr>
+          <p:nvPr>
+            <p:ph type="sldImg"/>
+          </p:nvPr>
+        </p:nvSpPr>
+        <p:spPr bwMode="auto">
+          <a:noFill/>
+          <a:ln>
+            <a:solidFill>
+              <a:srgbClr val="000000"/>
+            </a:solidFill>
+            <a:miter lim="800000"/>
+            <a:headEnd/>
+            <a:tailEnd/>
+          </a:ln>
+          <a:extLst>
+            <a:ext uri="{909E8E84-426E-40DD-AFC4-6F175D3DCCD1}">
+              <a14:hiddenFill xmlns:a14="http://schemas.microsoft.com/office/drawing/2010/main">
+                <a:solidFill>
+                  <a:srgbClr val="FFFFFF"/>
+                </a:solidFill>
+              </a14:hiddenFill>
+            </a:ext>
+          </a:extLst>
+        </p:spPr>
+      </p:sp>
+      <p:sp>
+        <p:nvSpPr>
+          <p:cNvPr id="21507" name="备注占位符 2"/>
+          <p:cNvSpPr>
+            <a:spLocks noGrp="1"/>
+          </p:cNvSpPr>
+          <p:nvPr>
+            <p:ph type="body" idx="1"/>
+          </p:nvPr>
+        </p:nvSpPr>
+        <p:spPr bwMode="auto">
+          <a:noFill/>
+          <a:extLst>
+            <a:ext uri="{909E8E84-426E-40DD-AFC4-6F175D3DCCD1}">
+              <a14:hiddenFill xmlns:a14="http://schemas.microsoft.com/office/drawing/2010/main">
+                <a:solidFill>
+                  <a:srgbClr val="FFFFFF"/>
+                </a:solidFill>
+              </a14:hiddenFill>
+            </a:ext>
+            <a:ext uri="{91240B29-F687-4F45-9708-019B960494DF}">
+              <a14:hiddenLine xmlns:a14="http://schemas.microsoft.com/office/drawing/2010/main" w="9525">
+                <a:solidFill>
+                  <a:srgbClr val="000000"/>
+                </a:solidFill>
+                <a:miter lim="800000"/>
+                <a:headEnd/>
+                <a:tailEnd/>
+              </a14:hiddenLine>
+            </a:ext>
+          </a:extLst>
+        </p:spPr>
+        <p:txBody>
+          <a:bodyPr wrap="square" numCol="1" anchor="t" anchorCtr="0" compatLnSpc="1">
+            <a:prstTxWarp prst="textNoShape">
+              <a:avLst/>
+            </a:prstTxWarp>
+          </a:bodyPr>
+          <a:lstStyle/>
+          <a:p>
+            <a:endParaRPr lang="zh-CN" altLang="en-US"/>
+          </a:p>
+        </p:txBody>
+      </p:sp>
+      <p:sp>
+        <p:nvSpPr>
+          <p:cNvPr id="21508" name="灯片编号占位符 3"/>
+          <p:cNvSpPr>
+            <a:spLocks noGrp="1"/>
+          </p:cNvSpPr>
+          <p:nvPr>
+            <p:ph type="sldNum" sz="quarter" idx="5"/>
+          </p:nvPr>
+        </p:nvSpPr>
+        <p:spPr bwMode="auto">
+          <a:noFill/>
+          <a:extLst>
+            <a:ext uri="{909E8E84-426E-40DD-AFC4-6F175D3DCCD1}">
+              <a14:hiddenFill xmlns:a14="http://schemas.microsoft.com/office/drawing/2010/main">
+                <a:solidFill>
+                  <a:srgbClr val="FFFFFF"/>
+                </a:solidFill>
+              </a14:hiddenFill>
+            </a:ext>
+            <a:ext uri="{91240B29-F687-4F45-9708-019B960494DF}">
+              <a14:hiddenLine xmlns:a14="http://schemas.microsoft.com/office/drawing/2010/main" w="9525">
+                <a:solidFill>
+                  <a:srgbClr val="000000"/>
+                </a:solidFill>
+                <a:miter lim="800000"/>
+                <a:headEnd/>
+                <a:tailEnd/>
+              </a14:hiddenLine>
+            </a:ext>
+          </a:extLst>
+        </p:spPr>
+        <p:txBody>
+          <a:bodyPr wrap="square" numCol="1" anchorCtr="0" compatLnSpc="1">
+            <a:prstTxWarp prst="textNoShape">
+              <a:avLst/>
+            </a:prstTxWarp>
+          </a:bodyPr>
+          <a:lstStyle>
+            <a:lvl1pPr>
+              <a:defRPr>
+                <a:solidFill>
+                  <a:schemeClr val="tx1"/>
+                </a:solidFill>
+                <a:latin typeface="Arial" panose="020B0604020202020204" pitchFamily="34" charset="0"/>
+                <a:ea typeface="宋体" panose="02010600030101010101" pitchFamily="2" charset="-122"/>
+              </a:defRPr>
+            </a:lvl1pPr>
+            <a:lvl2pPr marL="742950" indent="-285750">
+              <a:defRPr>
+                <a:solidFill>
+                  <a:schemeClr val="tx1"/>
+                </a:solidFill>
+                <a:latin typeface="Arial" panose="020B0604020202020204" pitchFamily="34" charset="0"/>
+                <a:ea typeface="宋体" panose="02010600030101010101" pitchFamily="2" charset="-122"/>
+              </a:defRPr>
+            </a:lvl2pPr>
+            <a:lvl3pPr marL="1143000" indent="-228600">
+              <a:defRPr>
+                <a:solidFill>
+                  <a:schemeClr val="tx1"/>
+                </a:solidFill>
+                <a:latin typeface="Arial" panose="020B0604020202020204" pitchFamily="34" charset="0"/>
+                <a:ea typeface="宋体" panose="02010600030101010101" pitchFamily="2" charset="-122"/>
+              </a:defRPr>
+            </a:lvl3pPr>
+            <a:lvl4pPr marL="1600200" indent="-228600">
+              <a:defRPr>
+                <a:solidFill>
+                  <a:schemeClr val="tx1"/>
+                </a:solidFill>
+                <a:latin typeface="Arial" panose="020B0604020202020204" pitchFamily="34" charset="0"/>
+                <a:ea typeface="宋体" panose="02010600030101010101" pitchFamily="2" charset="-122"/>
+              </a:defRPr>
+            </a:lvl4pPr>
+            <a:lvl5pPr marL="2057400" indent="-228600">
+              <a:defRPr>
+                <a:solidFill>
+                  <a:schemeClr val="tx1"/>
+                </a:solidFill>
+                <a:latin typeface="Arial" panose="020B0604020202020204" pitchFamily="34" charset="0"/>
+                <a:ea typeface="宋体" panose="02010600030101010101" pitchFamily="2" charset="-122"/>
+              </a:defRPr>
+            </a:lvl5pPr>
+            <a:lvl6pPr marL="2514600" indent="-228600" eaLnBrk="0" fontAlgn="base" hangingPunct="0">
+              <a:spcBef>
+                <a:spcPct val="0"/>
+              </a:spcBef>
+              <a:spcAft>
+                <a:spcPct val="0"/>
+              </a:spcAft>
+              <a:defRPr>
+                <a:solidFill>
+                  <a:schemeClr val="tx1"/>
+                </a:solidFill>
+                <a:latin typeface="Arial" panose="020B0604020202020204" pitchFamily="34" charset="0"/>
+                <a:ea typeface="宋体" panose="02010600030101010101" pitchFamily="2" charset="-122"/>
+              </a:defRPr>
+            </a:lvl6pPr>
+            <a:lvl7pPr marL="2971800" indent="-228600" eaLnBrk="0" fontAlgn="base" hangingPunct="0">
+              <a:spcBef>
+                <a:spcPct val="0"/>
+              </a:spcBef>
+              <a:spcAft>
+                <a:spcPct val="0"/>
+              </a:spcAft>
+              <a:defRPr>
+                <a:solidFill>
+                  <a:schemeClr val="tx1"/>
+                </a:solidFill>
+                <a:latin typeface="Arial" panose="020B0604020202020204" pitchFamily="34" charset="0"/>
+                <a:ea typeface="宋体" panose="02010600030101010101" pitchFamily="2" charset="-122"/>
+              </a:defRPr>
+            </a:lvl7pPr>
+            <a:lvl8pPr marL="3429000" indent="-228600" eaLnBrk="0" fontAlgn="base" hangingPunct="0">
+              <a:spcBef>
+                <a:spcPct val="0"/>
+              </a:spcBef>
+              <a:spcAft>
+                <a:spcPct val="0"/>
+              </a:spcAft>
+              <a:defRPr>
+                <a:solidFill>
+                  <a:schemeClr val="tx1"/>
+                </a:solidFill>
+                <a:latin typeface="Arial" panose="020B0604020202020204" pitchFamily="34" charset="0"/>
+                <a:ea typeface="宋体" panose="02010600030101010101" pitchFamily="2" charset="-122"/>
+              </a:defRPr>
+            </a:lvl8pPr>
+            <a:lvl9pPr marL="3886200" indent="-228600" eaLnBrk="0" fontAlgn="base" hangingPunct="0">
+              <a:spcBef>
+                <a:spcPct val="0"/>
+              </a:spcBef>
+              <a:spcAft>
+                <a:spcPct val="0"/>
+              </a:spcAft>
+              <a:defRPr>
+                <a:solidFill>
+                  <a:schemeClr val="tx1"/>
+                </a:solidFill>
+                <a:latin typeface="Arial" panose="020B0604020202020204" pitchFamily="34" charset="0"/>
+                <a:ea typeface="宋体" panose="02010600030101010101" pitchFamily="2" charset="-122"/>
+              </a:defRPr>
+            </a:lvl9pPr>
+          </a:lstStyle>
+          <a:p>
+            <a:fld id="{D202B881-6ADD-43A4-8334-9183137054C6}" type="slidenum">
+              <a:rPr lang="zh-CN" altLang="en-US" smtClean="0"/>
+              <a:pPr/>
+              <a:t>8</a:t>
+            </a:fld>
+            <a:endParaRPr lang="zh-CN" altLang="en-US"/>
+          </a:p>
+        </p:txBody>
+      </p:sp>
+    </p:spTree>
+    <p:extLst>
+      <p:ext uri="{BB962C8B-B14F-4D97-AF65-F5344CB8AC3E}">
+        <p14:creationId xmlns:p14="http://schemas.microsoft.com/office/powerpoint/2010/main" val="1811647415"/>
+      </p:ext>
+    </p:extLst>
+  </p:cSld>
+  <p:clrMapOvr>
+    <a:masterClrMapping/>
+  </p:clrMapOvr>
+</p:notes>
+</file>
+
+<file path=ppt/notesSlides/notesSlide7.xml><?xml version="1.0" encoding="utf-8"?>
+<p:notes xmlns:a="http://schemas.openxmlformats.org/drawingml/2006/main" xmlns:r="http://schemas.openxmlformats.org/officeDocument/2006/relationships" xmlns:p="http://schemas.openxmlformats.org/presentationml/2006/main">
+  <p:cSld>
+    <p:spTree>
+      <p:nvGrpSpPr>
+        <p:cNvPr id="1" name=""/>
+        <p:cNvGrpSpPr/>
+        <p:nvPr/>
+      </p:nvGrpSpPr>
+      <p:grpSpPr>
+        <a:xfrm>
+          <a:off x="0" y="0"/>
+          <a:ext cx="0" cy="0"/>
+          <a:chOff x="0" y="0"/>
+          <a:chExt cx="0" cy="0"/>
+        </a:xfrm>
+      </p:grpSpPr>
+      <p:sp>
+        <p:nvSpPr>
+          <p:cNvPr id="21506" name="幻灯片图像占位符 1"/>
+          <p:cNvSpPr>
+            <a:spLocks noGrp="1" noRot="1" noChangeAspect="1" noTextEdit="1"/>
+          </p:cNvSpPr>
+          <p:nvPr>
+            <p:ph type="sldImg"/>
+          </p:nvPr>
+        </p:nvSpPr>
+        <p:spPr bwMode="auto">
+          <a:noFill/>
+          <a:ln>
+            <a:solidFill>
+              <a:srgbClr val="000000"/>
+            </a:solidFill>
+            <a:miter lim="800000"/>
+            <a:headEnd/>
+            <a:tailEnd/>
+          </a:ln>
+          <a:extLst>
+            <a:ext uri="{909E8E84-426E-40DD-AFC4-6F175D3DCCD1}">
+              <a14:hiddenFill xmlns:a14="http://schemas.microsoft.com/office/drawing/2010/main">
+                <a:solidFill>
+                  <a:srgbClr val="FFFFFF"/>
+                </a:solidFill>
+              </a14:hiddenFill>
+            </a:ext>
+          </a:extLst>
+        </p:spPr>
+      </p:sp>
+      <p:sp>
+        <p:nvSpPr>
+          <p:cNvPr id="21507" name="备注占位符 2"/>
+          <p:cNvSpPr>
+            <a:spLocks noGrp="1"/>
+          </p:cNvSpPr>
+          <p:nvPr>
+            <p:ph type="body" idx="1"/>
+          </p:nvPr>
+        </p:nvSpPr>
+        <p:spPr bwMode="auto">
+          <a:noFill/>
+          <a:extLst>
+            <a:ext uri="{909E8E84-426E-40DD-AFC4-6F175D3DCCD1}">
+              <a14:hiddenFill xmlns:a14="http://schemas.microsoft.com/office/drawing/2010/main">
+                <a:solidFill>
+                  <a:srgbClr val="FFFFFF"/>
+                </a:solidFill>
+              </a14:hiddenFill>
+            </a:ext>
+            <a:ext uri="{91240B29-F687-4F45-9708-019B960494DF}">
+              <a14:hiddenLine xmlns:a14="http://schemas.microsoft.com/office/drawing/2010/main" w="9525">
+                <a:solidFill>
+                  <a:srgbClr val="000000"/>
+                </a:solidFill>
+                <a:miter lim="800000"/>
+                <a:headEnd/>
+                <a:tailEnd/>
+              </a14:hiddenLine>
+            </a:ext>
+          </a:extLst>
+        </p:spPr>
+        <p:txBody>
+          <a:bodyPr wrap="square" numCol="1" anchor="t" anchorCtr="0" compatLnSpc="1">
+            <a:prstTxWarp prst="textNoShape">
+              <a:avLst/>
+            </a:prstTxWarp>
+          </a:bodyPr>
+          <a:lstStyle/>
+          <a:p>
+            <a:endParaRPr lang="zh-CN" altLang="en-US"/>
+          </a:p>
+        </p:txBody>
+      </p:sp>
+      <p:sp>
+        <p:nvSpPr>
+          <p:cNvPr id="21508" name="灯片编号占位符 3"/>
+          <p:cNvSpPr>
+            <a:spLocks noGrp="1"/>
+          </p:cNvSpPr>
+          <p:nvPr>
+            <p:ph type="sldNum" sz="quarter" idx="5"/>
+          </p:nvPr>
+        </p:nvSpPr>
+        <p:spPr bwMode="auto">
+          <a:noFill/>
+          <a:extLst>
+            <a:ext uri="{909E8E84-426E-40DD-AFC4-6F175D3DCCD1}">
+              <a14:hiddenFill xmlns:a14="http://schemas.microsoft.com/office/drawing/2010/main">
+                <a:solidFill>
+                  <a:srgbClr val="FFFFFF"/>
+                </a:solidFill>
+              </a14:hiddenFill>
+            </a:ext>
+            <a:ext uri="{91240B29-F687-4F45-9708-019B960494DF}">
+              <a14:hiddenLine xmlns:a14="http://schemas.microsoft.com/office/drawing/2010/main" w="9525">
+                <a:solidFill>
+                  <a:srgbClr val="000000"/>
+                </a:solidFill>
+                <a:miter lim="800000"/>
+                <a:headEnd/>
+                <a:tailEnd/>
+              </a14:hiddenLine>
+            </a:ext>
+          </a:extLst>
+        </p:spPr>
+        <p:txBody>
+          <a:bodyPr wrap="square" numCol="1" anchorCtr="0" compatLnSpc="1">
+            <a:prstTxWarp prst="textNoShape">
+              <a:avLst/>
+            </a:prstTxWarp>
+          </a:bodyPr>
+          <a:lstStyle>
+            <a:lvl1pPr>
+              <a:defRPr>
+                <a:solidFill>
+                  <a:schemeClr val="tx1"/>
+                </a:solidFill>
+                <a:latin typeface="Arial" panose="020B0604020202020204" pitchFamily="34" charset="0"/>
+                <a:ea typeface="宋体" panose="02010600030101010101" pitchFamily="2" charset="-122"/>
+              </a:defRPr>
+            </a:lvl1pPr>
+            <a:lvl2pPr marL="742950" indent="-285750">
+              <a:defRPr>
+                <a:solidFill>
+                  <a:schemeClr val="tx1"/>
+                </a:solidFill>
+                <a:latin typeface="Arial" panose="020B0604020202020204" pitchFamily="34" charset="0"/>
+                <a:ea typeface="宋体" panose="02010600030101010101" pitchFamily="2" charset="-122"/>
+              </a:defRPr>
+            </a:lvl2pPr>
+            <a:lvl3pPr marL="1143000" indent="-228600">
+              <a:defRPr>
+                <a:solidFill>
+                  <a:schemeClr val="tx1"/>
+                </a:solidFill>
+                <a:latin typeface="Arial" panose="020B0604020202020204" pitchFamily="34" charset="0"/>
+                <a:ea typeface="宋体" panose="02010600030101010101" pitchFamily="2" charset="-122"/>
+              </a:defRPr>
+            </a:lvl3pPr>
+            <a:lvl4pPr marL="1600200" indent="-228600">
+              <a:defRPr>
+                <a:solidFill>
+                  <a:schemeClr val="tx1"/>
+                </a:solidFill>
+                <a:latin typeface="Arial" panose="020B0604020202020204" pitchFamily="34" charset="0"/>
+                <a:ea typeface="宋体" panose="02010600030101010101" pitchFamily="2" charset="-122"/>
+              </a:defRPr>
+            </a:lvl4pPr>
+            <a:lvl5pPr marL="2057400" indent="-228600">
+              <a:defRPr>
+                <a:solidFill>
+                  <a:schemeClr val="tx1"/>
+                </a:solidFill>
+                <a:latin typeface="Arial" panose="020B0604020202020204" pitchFamily="34" charset="0"/>
+                <a:ea typeface="宋体" panose="02010600030101010101" pitchFamily="2" charset="-122"/>
+              </a:defRPr>
+            </a:lvl5pPr>
+            <a:lvl6pPr marL="2514600" indent="-228600" eaLnBrk="0" fontAlgn="base" hangingPunct="0">
+              <a:spcBef>
+                <a:spcPct val="0"/>
+              </a:spcBef>
+              <a:spcAft>
+                <a:spcPct val="0"/>
+              </a:spcAft>
+              <a:defRPr>
+                <a:solidFill>
+                  <a:schemeClr val="tx1"/>
+                </a:solidFill>
+                <a:latin typeface="Arial" panose="020B0604020202020204" pitchFamily="34" charset="0"/>
+                <a:ea typeface="宋体" panose="02010600030101010101" pitchFamily="2" charset="-122"/>
+              </a:defRPr>
+            </a:lvl6pPr>
+            <a:lvl7pPr marL="2971800" indent="-228600" eaLnBrk="0" fontAlgn="base" hangingPunct="0">
+              <a:spcBef>
+                <a:spcPct val="0"/>
+              </a:spcBef>
+              <a:spcAft>
+                <a:spcPct val="0"/>
+              </a:spcAft>
+              <a:defRPr>
+                <a:solidFill>
+                  <a:schemeClr val="tx1"/>
+                </a:solidFill>
+                <a:latin typeface="Arial" panose="020B0604020202020204" pitchFamily="34" charset="0"/>
+                <a:ea typeface="宋体" panose="02010600030101010101" pitchFamily="2" charset="-122"/>
+              </a:defRPr>
+            </a:lvl7pPr>
+            <a:lvl8pPr marL="3429000" indent="-228600" eaLnBrk="0" fontAlgn="base" hangingPunct="0">
+              <a:spcBef>
+                <a:spcPct val="0"/>
+              </a:spcBef>
+              <a:spcAft>
+                <a:spcPct val="0"/>
+              </a:spcAft>
+              <a:defRPr>
+                <a:solidFill>
+                  <a:schemeClr val="tx1"/>
+                </a:solidFill>
+                <a:latin typeface="Arial" panose="020B0604020202020204" pitchFamily="34" charset="0"/>
+                <a:ea typeface="宋体" panose="02010600030101010101" pitchFamily="2" charset="-122"/>
+              </a:defRPr>
+            </a:lvl8pPr>
+            <a:lvl9pPr marL="3886200" indent="-228600" eaLnBrk="0" fontAlgn="base" hangingPunct="0">
+              <a:spcBef>
+                <a:spcPct val="0"/>
+              </a:spcBef>
+              <a:spcAft>
+                <a:spcPct val="0"/>
+              </a:spcAft>
+              <a:defRPr>
+                <a:solidFill>
+                  <a:schemeClr val="tx1"/>
+                </a:solidFill>
+                <a:latin typeface="Arial" panose="020B0604020202020204" pitchFamily="34" charset="0"/>
+                <a:ea typeface="宋体" panose="02010600030101010101" pitchFamily="2" charset="-122"/>
+              </a:defRPr>
+            </a:lvl9pPr>
+          </a:lstStyle>
+          <a:p>
+            <a:fld id="{D202B881-6ADD-43A4-8334-9183137054C6}" type="slidenum">
+              <a:rPr lang="zh-CN" altLang="en-US" smtClean="0"/>
+              <a:pPr/>
+              <a:t>9</a:t>
+            </a:fld>
+            <a:endParaRPr lang="zh-CN" altLang="en-US"/>
+          </a:p>
+        </p:txBody>
+      </p:sp>
+    </p:spTree>
+    <p:extLst>
+      <p:ext uri="{BB962C8B-B14F-4D97-AF65-F5344CB8AC3E}">
+        <p14:creationId xmlns:p14="http://schemas.microsoft.com/office/powerpoint/2010/main" val="2042884445"/>
       </p:ext>
     </p:extLst>
   </p:cSld>
@@ -4992,6 +6035,350 @@
               <a:latin typeface="+mn-ea"/>
               <a:ea typeface="+mn-ea"/>
             </a:endParaRPr>
+          </a:p>
+        </p:txBody>
+      </p:sp>
+    </p:spTree>
+  </p:cSld>
+  <p:clrMapOvr>
+    <a:masterClrMapping/>
+  </p:clrMapOvr>
+</p:sld>
+</file>
+
+<file path=ppt/slides/slide10.xml><?xml version="1.0" encoding="utf-8"?>
+<p:sld xmlns:a="http://schemas.openxmlformats.org/drawingml/2006/main" xmlns:r="http://schemas.openxmlformats.org/officeDocument/2006/relationships" xmlns:p="http://schemas.openxmlformats.org/presentationml/2006/main">
+  <p:cSld>
+    <p:bg>
+      <p:bgPr>
+        <a:solidFill>
+          <a:srgbClr val="316857"/>
+        </a:solidFill>
+        <a:effectLst/>
+      </p:bgPr>
+    </p:bg>
+    <p:spTree>
+      <p:nvGrpSpPr>
+        <p:cNvPr id="1" name=""/>
+        <p:cNvGrpSpPr/>
+        <p:nvPr/>
+      </p:nvGrpSpPr>
+      <p:grpSpPr>
+        <a:xfrm>
+          <a:off x="0" y="0"/>
+          <a:ext cx="0" cy="0"/>
+          <a:chOff x="0" y="0"/>
+          <a:chExt cx="0" cy="0"/>
+        </a:xfrm>
+      </p:grpSpPr>
+      <p:grpSp>
+        <p:nvGrpSpPr>
+          <p:cNvPr id="16387" name="组合 9"/>
+          <p:cNvGrpSpPr>
+            <a:grpSpLocks/>
+          </p:cNvGrpSpPr>
+          <p:nvPr/>
+        </p:nvGrpSpPr>
+        <p:grpSpPr bwMode="auto">
+          <a:xfrm rot="3489117">
+            <a:off x="4404245" y="2379365"/>
+            <a:ext cx="1368425" cy="1079500"/>
+            <a:chOff x="9031695" y="1802352"/>
+            <a:chExt cx="1064319" cy="840234"/>
+          </a:xfrm>
+        </p:grpSpPr>
+        <p:sp>
+          <p:nvSpPr>
+            <p:cNvPr id="7" name="任意多边形 6"/>
+            <p:cNvSpPr/>
+            <p:nvPr/>
+          </p:nvSpPr>
+          <p:spPr>
+            <a:xfrm>
+              <a:off x="9132586" y="2364674"/>
+              <a:ext cx="635875" cy="200173"/>
+            </a:xfrm>
+            <a:custGeom>
+              <a:avLst/>
+              <a:gdLst>
+                <a:gd name="connsiteX0" fmla="*/ 0 w 788790"/>
+                <a:gd name="connsiteY0" fmla="*/ 415946 h 415946"/>
+                <a:gd name="connsiteX1" fmla="*/ 210116 w 788790"/>
+                <a:gd name="connsiteY1" fmla="*/ 22225 h 415946"/>
+                <a:gd name="connsiteX2" fmla="*/ 424482 w 788790"/>
+                <a:gd name="connsiteY2" fmla="*/ 0 h 415946"/>
+                <a:gd name="connsiteX3" fmla="*/ 344406 w 788790"/>
+                <a:gd name="connsiteY3" fmla="*/ 150048 h 415946"/>
+                <a:gd name="connsiteX4" fmla="*/ 646889 w 788790"/>
+                <a:gd name="connsiteY4" fmla="*/ 150048 h 415946"/>
+                <a:gd name="connsiteX5" fmla="*/ 788790 w 788790"/>
+                <a:gd name="connsiteY5" fmla="*/ 415946 h 415946"/>
+              </a:gdLst>
+              <a:ahLst/>
+              <a:cxnLst>
+                <a:cxn ang="0">
+                  <a:pos x="connsiteX0" y="connsiteY0"/>
+                </a:cxn>
+                <a:cxn ang="0">
+                  <a:pos x="connsiteX1" y="connsiteY1"/>
+                </a:cxn>
+                <a:cxn ang="0">
+                  <a:pos x="connsiteX2" y="connsiteY2"/>
+                </a:cxn>
+                <a:cxn ang="0">
+                  <a:pos x="connsiteX3" y="connsiteY3"/>
+                </a:cxn>
+                <a:cxn ang="0">
+                  <a:pos x="connsiteX4" y="connsiteY4"/>
+                </a:cxn>
+                <a:cxn ang="0">
+                  <a:pos x="connsiteX5" y="connsiteY5"/>
+                </a:cxn>
+              </a:cxnLst>
+              <a:rect l="l" t="t" r="r" b="b"/>
+              <a:pathLst>
+                <a:path w="788790" h="415946">
+                  <a:moveTo>
+                    <a:pt x="0" y="415946"/>
+                  </a:moveTo>
+                  <a:lnTo>
+                    <a:pt x="210116" y="22225"/>
+                  </a:lnTo>
+                  <a:lnTo>
+                    <a:pt x="424482" y="0"/>
+                  </a:lnTo>
+                  <a:lnTo>
+                    <a:pt x="344406" y="150048"/>
+                  </a:lnTo>
+                  <a:lnTo>
+                    <a:pt x="646889" y="150048"/>
+                  </a:lnTo>
+                  <a:lnTo>
+                    <a:pt x="788790" y="415946"/>
+                  </a:lnTo>
+                  <a:close/>
+                </a:path>
+              </a:pathLst>
+            </a:custGeom>
+            <a:solidFill>
+              <a:srgbClr val="FFFFFF"/>
+            </a:solidFill>
+            <a:ln>
+              <a:solidFill>
+                <a:schemeClr val="bg1"/>
+              </a:solidFill>
+            </a:ln>
+          </p:spPr>
+          <p:style>
+            <a:lnRef idx="2">
+              <a:schemeClr val="accent1">
+                <a:shade val="50000"/>
+              </a:schemeClr>
+            </a:lnRef>
+            <a:fillRef idx="1">
+              <a:schemeClr val="accent1"/>
+            </a:fillRef>
+            <a:effectRef idx="0">
+              <a:schemeClr val="accent1"/>
+            </a:effectRef>
+            <a:fontRef idx="minor">
+              <a:schemeClr val="lt1"/>
+            </a:fontRef>
+          </p:style>
+          <p:txBody>
+            <a:bodyPr anchor="ctr"/>
+            <a:lstStyle/>
+            <a:p>
+              <a:pPr algn="ctr" eaLnBrk="1" hangingPunct="1">
+                <a:defRPr/>
+              </a:pPr>
+              <a:endParaRPr lang="zh-CN" altLang="en-US"/>
+            </a:p>
+          </p:txBody>
+        </p:sp>
+        <p:sp>
+          <p:nvSpPr>
+            <p:cNvPr id="8" name="等腰三角形 7"/>
+            <p:cNvSpPr/>
+            <p:nvPr/>
+          </p:nvSpPr>
+          <p:spPr>
+            <a:xfrm>
+              <a:off x="9031695" y="1802352"/>
+              <a:ext cx="1064319" cy="840234"/>
+            </a:xfrm>
+            <a:prstGeom prst="triangle">
+              <a:avLst/>
+            </a:prstGeom>
+            <a:noFill/>
+            <a:ln>
+              <a:solidFill>
+                <a:schemeClr val="bg1"/>
+              </a:solidFill>
+            </a:ln>
+          </p:spPr>
+          <p:style>
+            <a:lnRef idx="2">
+              <a:schemeClr val="accent1">
+                <a:shade val="50000"/>
+              </a:schemeClr>
+            </a:lnRef>
+            <a:fillRef idx="1">
+              <a:schemeClr val="accent1"/>
+            </a:fillRef>
+            <a:effectRef idx="0">
+              <a:schemeClr val="accent1"/>
+            </a:effectRef>
+            <a:fontRef idx="minor">
+              <a:schemeClr val="lt1"/>
+            </a:fontRef>
+          </p:style>
+          <p:txBody>
+            <a:bodyPr anchor="ctr"/>
+            <a:lstStyle/>
+            <a:p>
+              <a:pPr algn="ctr" eaLnBrk="1" hangingPunct="1">
+                <a:defRPr/>
+              </a:pPr>
+              <a:endParaRPr lang="zh-CN" altLang="en-US"/>
+            </a:p>
+          </p:txBody>
+        </p:sp>
+      </p:grpSp>
+      <p:sp>
+        <p:nvSpPr>
+          <p:cNvPr id="9" name="矩形 8"/>
+          <p:cNvSpPr/>
+          <p:nvPr/>
+        </p:nvSpPr>
+        <p:spPr>
+          <a:xfrm>
+            <a:off x="5159896" y="1988840"/>
+            <a:ext cx="2749550" cy="2003425"/>
+          </a:xfrm>
+          <a:prstGeom prst="rect">
+            <a:avLst/>
+          </a:prstGeom>
+        </p:spPr>
+        <p:txBody>
+          <a:bodyPr>
+            <a:spAutoFit/>
+          </a:bodyPr>
+          <a:lstStyle/>
+          <a:p>
+            <a:pPr algn="ctr" eaLnBrk="1" hangingPunct="1">
+              <a:lnSpc>
+                <a:spcPct val="90000"/>
+              </a:lnSpc>
+              <a:defRPr/>
+            </a:pPr>
+            <a:r>
+              <a:rPr kumimoji="1" lang="en-US" altLang="zh-CN" sz="13800" b="1" dirty="0">
+                <a:solidFill>
+                  <a:schemeClr val="bg1">
+                    <a:lumMod val="95000"/>
+                  </a:schemeClr>
+                </a:solidFill>
+              </a:rPr>
+              <a:t>04</a:t>
+            </a:r>
+            <a:endParaRPr kumimoji="1" lang="zh-CN" altLang="en-US" sz="13800" b="1" dirty="0">
+              <a:solidFill>
+                <a:schemeClr val="bg1">
+                  <a:lumMod val="95000"/>
+                </a:schemeClr>
+              </a:solidFill>
+            </a:endParaRPr>
+          </a:p>
+        </p:txBody>
+      </p:sp>
+      <p:sp>
+        <p:nvSpPr>
+          <p:cNvPr id="5" name="矩形 4"/>
+          <p:cNvSpPr/>
+          <p:nvPr/>
+        </p:nvSpPr>
+        <p:spPr>
+          <a:xfrm>
+            <a:off x="5232921" y="3530302"/>
+            <a:ext cx="2371162" cy="748988"/>
+          </a:xfrm>
+          <a:prstGeom prst="rect">
+            <a:avLst/>
+          </a:prstGeom>
+          <a:solidFill>
+            <a:srgbClr val="316857"/>
+          </a:solidFill>
+        </p:spPr>
+        <p:txBody>
+          <a:bodyPr wrap="none">
+            <a:spAutoFit/>
+          </a:bodyPr>
+          <a:lstStyle/>
+          <a:p>
+            <a:pPr eaLnBrk="1" hangingPunct="1">
+              <a:defRPr/>
+            </a:pPr>
+            <a:r>
+              <a:rPr kumimoji="1" lang="zh-CN" altLang="en-US" sz="4267" dirty="0">
+                <a:solidFill>
+                  <a:schemeClr val="bg1">
+                    <a:lumMod val="95000"/>
+                  </a:schemeClr>
+                </a:solidFill>
+                <a:latin typeface="微软雅黑" panose="020B0503020204020204" pitchFamily="34" charset="-122"/>
+                <a:ea typeface="微软雅黑" panose="020B0503020204020204" pitchFamily="34" charset="-122"/>
+              </a:rPr>
+              <a:t>结果展示</a:t>
+            </a:r>
+          </a:p>
+        </p:txBody>
+      </p:sp>
+      <p:sp>
+        <p:nvSpPr>
+          <p:cNvPr id="11" name="等腰三角形 10"/>
+          <p:cNvSpPr/>
+          <p:nvPr/>
+        </p:nvSpPr>
+        <p:spPr>
+          <a:xfrm>
+            <a:off x="4283596" y="3535065"/>
+            <a:ext cx="768350" cy="663575"/>
+          </a:xfrm>
+          <a:prstGeom prst="triangle">
+            <a:avLst/>
+          </a:prstGeom>
+          <a:noFill/>
+          <a:ln>
+            <a:solidFill>
+              <a:schemeClr val="bg1"/>
+            </a:solidFill>
+          </a:ln>
+        </p:spPr>
+        <p:style>
+          <a:lnRef idx="2">
+            <a:schemeClr val="accent1">
+              <a:shade val="50000"/>
+            </a:schemeClr>
+          </a:lnRef>
+          <a:fillRef idx="1">
+            <a:schemeClr val="accent1"/>
+          </a:fillRef>
+          <a:effectRef idx="0">
+            <a:schemeClr val="accent1"/>
+          </a:effectRef>
+          <a:fontRef idx="minor">
+            <a:schemeClr val="lt1"/>
+          </a:fontRef>
+        </p:style>
+        <p:txBody>
+          <a:bodyPr anchor="ctr"/>
+          <a:lstStyle/>
+          <a:p>
+            <a:pPr algn="ctr" eaLnBrk="1" hangingPunct="1">
+              <a:defRPr/>
+            </a:pPr>
+            <a:endParaRPr lang="zh-CN" altLang="en-US"/>
           </a:p>
         </p:txBody>
       </p:sp>
@@ -8865,8 +10252,8 @@
         </p:nvSpPr>
         <p:spPr>
           <a:xfrm>
-            <a:off x="377620" y="2276872"/>
-            <a:ext cx="10737215" cy="1420325"/>
+            <a:off x="407988" y="2126594"/>
+            <a:ext cx="10737215" cy="955903"/>
           </a:xfrm>
           <a:prstGeom prst="rect">
             <a:avLst/>
@@ -8906,29 +10293,6 @@
               <a:rPr lang="zh-CN" altLang="en-US" sz="2000" dirty="0"/>
               <a:t>去下载图片并保存。</a:t>
             </a:r>
-            <a:endParaRPr lang="en-US" altLang="zh-CN" sz="2000" dirty="0"/>
-          </a:p>
-          <a:p>
-            <a:pPr marL="285750" indent="-285750">
-              <a:lnSpc>
-                <a:spcPct val="150000"/>
-              </a:lnSpc>
-              <a:buFont typeface="Arial" panose="020B0604020202020204" pitchFamily="34" charset="0"/>
-              <a:buChar char="•"/>
-            </a:pPr>
-            <a:r>
-              <a:rPr lang="zh-CN" altLang="en-US" sz="2000" dirty="0"/>
-              <a:t>图像增强：共提供了</a:t>
-            </a:r>
-            <a:r>
-              <a:rPr lang="en-US" altLang="zh-CN" sz="2000" dirty="0"/>
-              <a:t>7</a:t>
-            </a:r>
-            <a:r>
-              <a:rPr lang="zh-CN" altLang="en-US" sz="2000"/>
-              <a:t>种图像增强方式，分别为</a:t>
-            </a:r>
-            <a:endParaRPr lang="zh-CN" altLang="en-US" sz="2000" dirty="0"/>
           </a:p>
         </p:txBody>
       </p:sp>
@@ -8956,6 +10320,76 @@
           <a:xfrm>
             <a:off x="-17129" y="1558097"/>
             <a:ext cx="12192000" cy="462833"/>
+          </a:xfrm>
+          <a:prstGeom prst="rect">
+            <a:avLst/>
+          </a:prstGeom>
+        </p:spPr>
+      </p:pic>
+      <p:sp>
+        <p:nvSpPr>
+          <p:cNvPr id="7" name="文本框 6">
+            <a:extLst>
+              <a:ext uri="{FF2B5EF4-FFF2-40B4-BE49-F238E27FC236}">
+                <a16:creationId xmlns:a16="http://schemas.microsoft.com/office/drawing/2014/main" id="{589D0334-CEDF-E60F-104B-0D921C3136EC}"/>
+              </a:ext>
+            </a:extLst>
+          </p:cNvPr>
+          <p:cNvSpPr txBox="1"/>
+          <p:nvPr/>
+        </p:nvSpPr>
+        <p:spPr>
+          <a:xfrm>
+            <a:off x="407988" y="3645024"/>
+            <a:ext cx="4463876" cy="2116028"/>
+          </a:xfrm>
+          <a:prstGeom prst="rect">
+            <a:avLst/>
+          </a:prstGeom>
+          <a:noFill/>
+        </p:spPr>
+        <p:txBody>
+          <a:bodyPr wrap="square" rtlCol="0">
+            <a:spAutoFit/>
+          </a:bodyPr>
+          <a:lstStyle/>
+          <a:p>
+            <a:pPr indent="457200">
+              <a:lnSpc>
+                <a:spcPct val="150000"/>
+              </a:lnSpc>
+            </a:pPr>
+            <a:r>
+              <a:rPr lang="zh-CN" altLang="en-US" dirty="0"/>
+              <a:t>程序执行完成后，将会在指定路径下生成七个文件夹（分别命名为：鸡蛋花、玫瑰花、牡丹、蒲公英、牵牛花、向日葵、郁金香），如右图所示。每个文件夹内包含有爬取的对应类型的花的图片。</a:t>
+            </a:r>
+          </a:p>
+        </p:txBody>
+      </p:sp>
+      <p:pic>
+        <p:nvPicPr>
+          <p:cNvPr id="8" name="图片 7">
+            <a:extLst>
+              <a:ext uri="{FF2B5EF4-FFF2-40B4-BE49-F238E27FC236}">
+                <a16:creationId xmlns:a16="http://schemas.microsoft.com/office/drawing/2014/main" id="{D6E72DA6-3D9E-8FEB-2216-C1DE8FCAC283}"/>
+              </a:ext>
+            </a:extLst>
+          </p:cNvPr>
+          <p:cNvPicPr>
+            <a:picLocks noChangeAspect="1"/>
+          </p:cNvPicPr>
+          <p:nvPr/>
+        </p:nvPicPr>
+        <p:blipFill>
+          <a:blip r:embed="rId4"/>
+          <a:stretch>
+            <a:fillRect/>
+          </a:stretch>
+        </p:blipFill>
+        <p:spPr>
+          <a:xfrm>
+            <a:off x="5182430" y="3645024"/>
+            <a:ext cx="6994774" cy="2482538"/>
           </a:xfrm>
           <a:prstGeom prst="rect">
             <a:avLst/>
@@ -8994,49 +10428,6 @@
       </p:grpSpPr>
       <p:sp>
         <p:nvSpPr>
-          <p:cNvPr id="23" name="矩形 22"/>
-          <p:cNvSpPr/>
-          <p:nvPr/>
-        </p:nvSpPr>
-        <p:spPr>
-          <a:xfrm>
-            <a:off x="0" y="2780928"/>
-            <a:ext cx="12192000" cy="3870697"/>
-          </a:xfrm>
-          <a:prstGeom prst="rect">
-            <a:avLst/>
-          </a:prstGeom>
-          <a:solidFill>
-            <a:srgbClr val="316857"/>
-          </a:solidFill>
-          <a:ln w="12700" cap="flat" cmpd="sng" algn="ctr">
-            <a:solidFill>
-              <a:srgbClr val="316857"/>
-            </a:solidFill>
-            <a:prstDash val="solid"/>
-            <a:miter lim="800000"/>
-          </a:ln>
-          <a:effectLst/>
-        </p:spPr>
-        <p:txBody>
-          <a:bodyPr lIns="121917" tIns="60959" rIns="121917" bIns="60959" anchor="ctr"/>
-          <a:lstStyle/>
-          <a:p>
-            <a:pPr algn="ctr" defTabSz="1219140">
-              <a:defRPr/>
-            </a:pPr>
-            <a:endParaRPr lang="zh-CN" altLang="en-US" sz="3200" kern="0">
-              <a:solidFill>
-                <a:sysClr val="window" lastClr="FFFFFF"/>
-              </a:solidFill>
-              <a:latin typeface="Calibri"/>
-              <a:ea typeface="宋体"/>
-            </a:endParaRPr>
-          </a:p>
-        </p:txBody>
-      </p:sp>
-      <p:sp>
-        <p:nvSpPr>
           <p:cNvPr id="4" name="文本框 3"/>
           <p:cNvSpPr txBox="1"/>
           <p:nvPr/>
@@ -9072,7 +10463,7 @@
                 <a:ea typeface="宋体"/>
                 <a:cs typeface="微软雅黑"/>
               </a:rPr>
-              <a:t>疫情上报功能模块</a:t>
+              <a:t>数据爬取及预处理</a:t>
             </a:r>
             <a:endParaRPr kumimoji="1" lang="zh-CN" altLang="en-US" sz="2133" b="1" dirty="0">
               <a:solidFill>
@@ -9369,10 +10760,10 @@
       </p:sp>
       <p:sp>
         <p:nvSpPr>
-          <p:cNvPr id="2" name="文本框 1">
+          <p:cNvPr id="3" name="文本框 2">
             <a:extLst>
               <a:ext uri="{FF2B5EF4-FFF2-40B4-BE49-F238E27FC236}">
-                <a16:creationId xmlns:a16="http://schemas.microsoft.com/office/drawing/2014/main" id="{6716CB87-5F82-27A9-91B1-E2714E8FC733}"/>
+                <a16:creationId xmlns:a16="http://schemas.microsoft.com/office/drawing/2014/main" id="{8238AB97-6865-BFE5-938D-744CE85684C5}"/>
               </a:ext>
             </a:extLst>
           </p:cNvPr>
@@ -9381,8 +10772,8 @@
         </p:nvSpPr>
         <p:spPr>
           <a:xfrm>
-            <a:off x="327337" y="1590821"/>
-            <a:ext cx="5111948" cy="646331"/>
+            <a:off x="407988" y="2126594"/>
+            <a:ext cx="10737215" cy="1420325"/>
           </a:xfrm>
           <a:prstGeom prst="rect">
             <a:avLst/>
@@ -9395,106 +10786,38 @@
           </a:bodyPr>
           <a:lstStyle/>
           <a:p>
+            <a:pPr marL="285750" indent="-285750">
+              <a:lnSpc>
+                <a:spcPct val="150000"/>
+              </a:lnSpc>
+              <a:buFont typeface="Arial" panose="020B0604020202020204" pitchFamily="34" charset="0"/>
+              <a:buChar char="•"/>
+            </a:pPr>
             <a:r>
-              <a:rPr lang="zh-CN" altLang="en-US" dirty="0"/>
-              <a:t>在本模块中，用户可以填写自己的相关信息，</a:t>
+              <a:rPr lang="zh-CN" altLang="en-US" sz="2000" dirty="0"/>
+              <a:t>数据增强：程序共提供了七种数据增强方式，分别为：亮度及对比度调整、图像旋转、图像平移、图像裁剪、图像缩放、颜色变换、水平翻转。</a:t>
             </a:r>
-            <a:endParaRPr lang="en-US" altLang="zh-CN" dirty="0"/>
-          </a:p>
-          <a:p>
-            <a:r>
-              <a:rPr lang="zh-CN" altLang="en-US" dirty="0"/>
-              <a:t>软件会自动识别健康码颜色</a:t>
-            </a:r>
-          </a:p>
-        </p:txBody>
-      </p:sp>
-      <p:sp>
-        <p:nvSpPr>
-          <p:cNvPr id="15" name="文本框 14">
-            <a:extLst>
-              <a:ext uri="{FF2B5EF4-FFF2-40B4-BE49-F238E27FC236}">
-                <a16:creationId xmlns:a16="http://schemas.microsoft.com/office/drawing/2014/main" id="{7C9CDD83-AA50-EC20-536D-69A569446EE6}"/>
-              </a:ext>
-            </a:extLst>
-          </p:cNvPr>
-          <p:cNvSpPr txBox="1"/>
-          <p:nvPr/>
-        </p:nvSpPr>
-        <p:spPr>
-          <a:xfrm>
-            <a:off x="466404" y="3480087"/>
-            <a:ext cx="5068717" cy="2133341"/>
-          </a:xfrm>
-          <a:prstGeom prst="rect">
-            <a:avLst/>
-          </a:prstGeom>
-          <a:noFill/>
-        </p:spPr>
-        <p:txBody>
-          <a:bodyPr wrap="square">
-            <a:spAutoFit/>
-          </a:bodyPr>
-          <a:lstStyle/>
-          <a:p>
-            <a:pPr indent="457200">
+            <a:endParaRPr lang="en-US" altLang="zh-CN" sz="2000" dirty="0"/>
+          </a:p>
+          <a:p>
+            <a:pPr>
               <a:lnSpc>
-                <a:spcPct val="125000"/>
+                <a:spcPct val="150000"/>
               </a:lnSpc>
             </a:pPr>
             <a:r>
-              <a:rPr lang="zh-CN" altLang="en-US" sz="1800" dirty="0">
-                <a:solidFill>
-                  <a:schemeClr val="bg1"/>
-                </a:solidFill>
-              </a:rPr>
-              <a:t>用户可以使用收到的识别码来填写相关信息并进行健康上报。软件会根据用户输入的信息来进行正确性校验，保证用户输入的合法性。</a:t>
-            </a:r>
-            <a:endParaRPr lang="en-US" altLang="zh-CN" sz="1800" dirty="0">
-              <a:solidFill>
-                <a:schemeClr val="bg1"/>
-              </a:solidFill>
-            </a:endParaRPr>
-          </a:p>
-          <a:p>
-            <a:pPr indent="457200">
-              <a:lnSpc>
-                <a:spcPct val="125000"/>
-              </a:lnSpc>
-            </a:pPr>
-            <a:r>
-              <a:rPr lang="zh-CN" altLang="en-US" sz="1800" dirty="0">
-                <a:solidFill>
-                  <a:schemeClr val="bg1"/>
-                </a:solidFill>
-              </a:rPr>
-              <a:t>同时，软件使用</a:t>
-            </a:r>
-            <a:r>
-              <a:rPr lang="en-US" altLang="zh-CN" sz="1800" dirty="0">
-                <a:solidFill>
-                  <a:schemeClr val="bg1"/>
-                </a:solidFill>
-              </a:rPr>
-              <a:t>OpenCV</a:t>
-            </a:r>
-            <a:r>
-              <a:rPr lang="zh-CN" altLang="en-US" sz="1800" dirty="0">
-                <a:solidFill>
-                  <a:schemeClr val="bg1"/>
-                </a:solidFill>
-              </a:rPr>
-              <a:t>来识别图片中是否存在二维码，并根据二维码中各颜色像素点的个数来得出健康码颜色，使结果更加准确。</a:t>
+              <a:rPr lang="zh-CN" altLang="en-US" sz="2000" dirty="0"/>
+              <a:t>    程序默认对爬取的图片进行图像裁剪与水平翻转。</a:t>
             </a:r>
           </a:p>
         </p:txBody>
       </p:sp>
       <p:pic>
         <p:nvPicPr>
-          <p:cNvPr id="10" name="图片 9">
+          <p:cNvPr id="6" name="图片 5">
             <a:extLst>
               <a:ext uri="{FF2B5EF4-FFF2-40B4-BE49-F238E27FC236}">
-                <a16:creationId xmlns:a16="http://schemas.microsoft.com/office/drawing/2014/main" id="{953FFF38-CE1D-198E-2B6B-AA9E524A9D5D}"/>
+                <a16:creationId xmlns:a16="http://schemas.microsoft.com/office/drawing/2014/main" id="{1FF3B9B7-565A-0AE7-028E-13FE3DBC2FA8}"/>
               </a:ext>
             </a:extLst>
           </p:cNvPr>
@@ -9504,21 +10827,15 @@
           <p:nvPr/>
         </p:nvPicPr>
         <p:blipFill>
-          <a:blip r:embed="rId3" cstate="print">
-            <a:extLst>
-              <a:ext uri="{28A0092B-C50C-407E-A947-70E740481C1C}">
-                <a14:useLocalDpi xmlns:a14="http://schemas.microsoft.com/office/drawing/2010/main" val="0"/>
-              </a:ext>
-            </a:extLst>
-          </a:blip>
+          <a:blip r:embed="rId3"/>
           <a:stretch>
             <a:fillRect/>
           </a:stretch>
         </p:blipFill>
         <p:spPr>
           <a:xfrm>
-            <a:off x="6752717" y="407749"/>
-            <a:ext cx="2602436" cy="5656899"/>
+            <a:off x="-17129" y="1558097"/>
+            <a:ext cx="12192000" cy="462833"/>
           </a:xfrm>
           <a:prstGeom prst="rect">
             <a:avLst/>
@@ -9530,7 +10847,7 @@
           <p:cNvPr id="11" name="图片 10">
             <a:extLst>
               <a:ext uri="{FF2B5EF4-FFF2-40B4-BE49-F238E27FC236}">
-                <a16:creationId xmlns:a16="http://schemas.microsoft.com/office/drawing/2014/main" id="{DA9F4B1B-CBE1-1D93-E0C7-BB9B64B6093F}"/>
+                <a16:creationId xmlns:a16="http://schemas.microsoft.com/office/drawing/2014/main" id="{2C2FD3FF-4DD6-41CD-464A-431C1E80FFC7}"/>
               </a:ext>
             </a:extLst>
           </p:cNvPr>
@@ -9540,31 +10857,66 @@
           <p:nvPr/>
         </p:nvPicPr>
         <p:blipFill>
-          <a:blip r:embed="rId4" cstate="print">
-            <a:extLst>
-              <a:ext uri="{28A0092B-C50C-407E-A947-70E740481C1C}">
-                <a14:useLocalDpi xmlns:a14="http://schemas.microsoft.com/office/drawing/2010/main" val="0"/>
-              </a:ext>
-            </a:extLst>
-          </a:blip>
+          <a:blip r:embed="rId4"/>
           <a:stretch>
             <a:fillRect/>
           </a:stretch>
         </p:blipFill>
         <p:spPr>
           <a:xfrm>
-            <a:off x="9363146" y="407749"/>
-            <a:ext cx="2610877" cy="5656899"/>
+            <a:off x="4223792" y="3696209"/>
+            <a:ext cx="6521785" cy="2844946"/>
           </a:xfrm>
           <a:prstGeom prst="rect">
             <a:avLst/>
           </a:prstGeom>
         </p:spPr>
       </p:pic>
+      <p:sp>
+        <p:nvSpPr>
+          <p:cNvPr id="12" name="文本框 11">
+            <a:extLst>
+              <a:ext uri="{FF2B5EF4-FFF2-40B4-BE49-F238E27FC236}">
+                <a16:creationId xmlns:a16="http://schemas.microsoft.com/office/drawing/2014/main" id="{8B6EF0BA-7AE7-8CF5-CD83-85B90D463EBE}"/>
+              </a:ext>
+            </a:extLst>
+          </p:cNvPr>
+          <p:cNvSpPr txBox="1"/>
+          <p:nvPr/>
+        </p:nvSpPr>
+        <p:spPr>
+          <a:xfrm>
+            <a:off x="407988" y="4149080"/>
+            <a:ext cx="3168352" cy="1417568"/>
+          </a:xfrm>
+          <a:prstGeom prst="rect">
+            <a:avLst/>
+          </a:prstGeom>
+          <a:noFill/>
+        </p:spPr>
+        <p:txBody>
+          <a:bodyPr wrap="square" rtlCol="0">
+            <a:spAutoFit/>
+          </a:bodyPr>
+          <a:lstStyle/>
+          <a:p>
+            <a:pPr>
+              <a:lnSpc>
+                <a:spcPct val="150000"/>
+              </a:lnSpc>
+            </a:pPr>
+            <a:r>
+              <a:rPr lang="zh-CN" altLang="en-US" sz="2000" dirty="0"/>
+              <a:t>图片进行数据增强前与数据增强后对比图如右图所示。</a:t>
+            </a:r>
+            <a:endParaRPr lang="en-US" altLang="zh-CN" sz="2000" dirty="0"/>
+          </a:p>
+        </p:txBody>
+      </p:sp>
     </p:spTree>
     <p:extLst>
       <p:ext uri="{BB962C8B-B14F-4D97-AF65-F5344CB8AC3E}">
-        <p14:creationId xmlns:p14="http://schemas.microsoft.com/office/powerpoint/2010/main" val="993733334"/>
+        <p14:creationId xmlns:p14="http://schemas.microsoft.com/office/powerpoint/2010/main" val="1017261944"/>
       </p:ext>
     </p:extLst>
   </p:cSld>
@@ -9577,14 +10929,6 @@
 <file path=ppt/slides/slide6.xml><?xml version="1.0" encoding="utf-8"?>
 <p:sld xmlns:a="http://schemas.openxmlformats.org/drawingml/2006/main" xmlns:r="http://schemas.openxmlformats.org/officeDocument/2006/relationships" xmlns:p="http://schemas.openxmlformats.org/presentationml/2006/main">
   <p:cSld>
-    <p:bg>
-      <p:bgPr>
-        <a:solidFill>
-          <a:srgbClr val="316857"/>
-        </a:solidFill>
-        <a:effectLst/>
-      </p:bgPr>
-    </p:bg>
     <p:spTree>
       <p:nvGrpSpPr>
         <p:cNvPr id="1" name=""/>
@@ -9607,8 +10951,8 @@
         </p:nvSpPr>
         <p:spPr>
           <a:xfrm>
-            <a:off x="215734" y="871963"/>
-            <a:ext cx="2879725" cy="459014"/>
+            <a:off x="263525" y="1030417"/>
+            <a:ext cx="2879725" cy="422016"/>
           </a:xfrm>
           <a:prstGeom prst="rect">
             <a:avLst/>
@@ -9628,16 +10972,24 @@
               <a:defRPr/>
             </a:pPr>
             <a:r>
-              <a:rPr kumimoji="1" lang="zh-CN" altLang="en-US" sz="2133" b="1" dirty="0">
-                <a:solidFill>
-                  <a:schemeClr val="bg1"/>
-                </a:solidFill>
-                <a:latin typeface="微软雅黑"/>
-                <a:ea typeface="微软雅黑"/>
+              <a:rPr kumimoji="1" lang="zh-CN" altLang="en-US" sz="1867" b="1" dirty="0">
+                <a:solidFill>
+                  <a:srgbClr val="316857"/>
+                </a:solidFill>
+                <a:latin typeface="Calibri"/>
+                <a:ea typeface="宋体"/>
                 <a:cs typeface="微软雅黑"/>
               </a:rPr>
-              <a:t>项目功能</a:t>
+              <a:t>数据爬取及预处理</a:t>
             </a:r>
+            <a:endParaRPr kumimoji="1" lang="zh-CN" altLang="en-US" sz="2133" b="1" dirty="0">
+              <a:solidFill>
+                <a:srgbClr val="316857"/>
+              </a:solidFill>
+              <a:latin typeface="微软雅黑"/>
+              <a:ea typeface="微软雅黑"/>
+              <a:cs typeface="微软雅黑"/>
+            </a:endParaRPr>
           </a:p>
         </p:txBody>
       </p:sp>
@@ -9658,7 +11010,7 @@
           <a:noFill/>
           <a:ln>
             <a:solidFill>
-              <a:srgbClr val="FFFFFF"/>
+              <a:srgbClr val="1F1F1F"/>
             </a:solidFill>
           </a:ln>
           <a:effectLst/>
@@ -9686,7 +11038,7 @@
             </a:pPr>
             <a:endParaRPr kumimoji="1" lang="zh-CN" altLang="en-US" sz="1333" b="1" dirty="0">
               <a:solidFill>
-                <a:schemeClr val="bg1"/>
+                <a:srgbClr val="316857"/>
               </a:solidFill>
               <a:ea typeface="宋体"/>
             </a:endParaRPr>
@@ -9695,7 +11047,7 @@
       </p:sp>
       <p:sp>
         <p:nvSpPr>
-          <p:cNvPr id="22532" name="文本框 5"/>
+          <p:cNvPr id="20485" name="文本框 5"/>
           <p:cNvSpPr txBox="1">
             <a:spLocks noChangeArrowheads="1"/>
           </p:cNvSpPr>
@@ -9703,18 +11055,18 @@
         </p:nvSpPr>
         <p:spPr bwMode="auto">
           <a:xfrm>
-            <a:off x="239248" y="376707"/>
-            <a:ext cx="966931" cy="369332"/>
+            <a:off x="327337" y="407749"/>
+            <a:ext cx="723275" cy="369332"/>
           </a:xfrm>
           <a:prstGeom prst="rect">
             <a:avLst/>
           </a:prstGeom>
           <a:solidFill>
-            <a:srgbClr val="316857"/>
+            <a:schemeClr val="bg1"/>
           </a:solidFill>
           <a:ln w="9525">
             <a:solidFill>
-              <a:srgbClr val="316857"/>
+              <a:schemeClr val="bg1"/>
             </a:solidFill>
             <a:miter lim="800000"/>
             <a:headEnd/>
@@ -9906,16 +11258,16 @@
             <a:r>
               <a:rPr lang="en-US" altLang="zh-CN" sz="1800" dirty="0">
                 <a:solidFill>
-                  <a:schemeClr val="bg1"/>
+                  <a:srgbClr val="316857"/>
                 </a:solidFill>
                 <a:latin typeface="Arial" panose="020B0604020202020204" pitchFamily="34" charset="0"/>
                 <a:ea typeface="宋体" panose="02010600030101010101" pitchFamily="2" charset="-122"/>
               </a:rPr>
-              <a:t>THREE</a:t>
+              <a:t>TWO</a:t>
             </a:r>
             <a:endParaRPr lang="zh-CN" altLang="en-US" sz="1800" dirty="0">
               <a:solidFill>
-                <a:schemeClr val="bg1"/>
+                <a:srgbClr val="316857"/>
               </a:solidFill>
               <a:latin typeface="Arial" panose="020B0604020202020204" pitchFamily="34" charset="0"/>
               <a:ea typeface="宋体" panose="02010600030101010101" pitchFamily="2" charset="-122"/>
@@ -9923,7 +11275,224 @@
           </a:p>
         </p:txBody>
       </p:sp>
+      <p:sp>
+        <p:nvSpPr>
+          <p:cNvPr id="3" name="文本框 2">
+            <a:extLst>
+              <a:ext uri="{FF2B5EF4-FFF2-40B4-BE49-F238E27FC236}">
+                <a16:creationId xmlns:a16="http://schemas.microsoft.com/office/drawing/2014/main" id="{8238AB97-6865-BFE5-938D-744CE85684C5}"/>
+              </a:ext>
+            </a:extLst>
+          </p:cNvPr>
+          <p:cNvSpPr txBox="1"/>
+          <p:nvPr/>
+        </p:nvSpPr>
+        <p:spPr>
+          <a:xfrm>
+            <a:off x="407988" y="2126594"/>
+            <a:ext cx="10737215" cy="1420325"/>
+          </a:xfrm>
+          <a:prstGeom prst="rect">
+            <a:avLst/>
+          </a:prstGeom>
+          <a:noFill/>
+        </p:spPr>
+        <p:txBody>
+          <a:bodyPr wrap="square" rtlCol="0">
+            <a:spAutoFit/>
+          </a:bodyPr>
+          <a:lstStyle/>
+          <a:p>
+            <a:pPr marL="285750" indent="-285750">
+              <a:lnSpc>
+                <a:spcPct val="150000"/>
+              </a:lnSpc>
+              <a:buFont typeface="Arial" panose="020B0604020202020204" pitchFamily="34" charset="0"/>
+              <a:buChar char="•"/>
+            </a:pPr>
+            <a:r>
+              <a:rPr lang="zh-CN" altLang="en-US" sz="2000" dirty="0"/>
+              <a:t>划分数据集：以训练集：验证集 </a:t>
+            </a:r>
+            <a:r>
+              <a:rPr lang="en-US" altLang="zh-CN" sz="2000" dirty="0"/>
+              <a:t>= 4</a:t>
+            </a:r>
+            <a:r>
+              <a:rPr lang="zh-CN" altLang="en-US" sz="2000" dirty="0"/>
+              <a:t>：</a:t>
+            </a:r>
+            <a:r>
+              <a:rPr lang="en-US" altLang="zh-CN" sz="2000" dirty="0"/>
+              <a:t>1</a:t>
+            </a:r>
+            <a:r>
+              <a:rPr lang="zh-CN" altLang="en-US" sz="2000" dirty="0"/>
+              <a:t>的比例将各图片分配至各数据集下。</a:t>
+            </a:r>
+            <a:endParaRPr lang="en-US" altLang="zh-CN" sz="2000" dirty="0"/>
+          </a:p>
+          <a:p>
+            <a:pPr>
+              <a:lnSpc>
+                <a:spcPct val="150000"/>
+              </a:lnSpc>
+            </a:pPr>
+            <a:r>
+              <a:rPr lang="zh-CN" altLang="en-US" sz="2000" dirty="0"/>
+              <a:t>    数据集划分完成后会生成一个新的文件夹，内含各种类型的数据集。如下图所示：</a:t>
+            </a:r>
+            <a:endParaRPr lang="en-US" altLang="zh-CN" sz="2000" dirty="0"/>
+          </a:p>
+          <a:p>
+            <a:pPr>
+              <a:lnSpc>
+                <a:spcPct val="150000"/>
+              </a:lnSpc>
+            </a:pPr>
+            <a:endParaRPr lang="en-US" altLang="zh-CN" sz="2000" dirty="0"/>
+          </a:p>
+        </p:txBody>
+      </p:sp>
+      <p:pic>
+        <p:nvPicPr>
+          <p:cNvPr id="6" name="图片 5">
+            <a:extLst>
+              <a:ext uri="{FF2B5EF4-FFF2-40B4-BE49-F238E27FC236}">
+                <a16:creationId xmlns:a16="http://schemas.microsoft.com/office/drawing/2014/main" id="{1FF3B9B7-565A-0AE7-028E-13FE3DBC2FA8}"/>
+              </a:ext>
+            </a:extLst>
+          </p:cNvPr>
+          <p:cNvPicPr>
+            <a:picLocks noChangeAspect="1"/>
+          </p:cNvPicPr>
+          <p:nvPr/>
+        </p:nvPicPr>
+        <p:blipFill>
+          <a:blip r:embed="rId3"/>
+          <a:stretch>
+            <a:fillRect/>
+          </a:stretch>
+        </p:blipFill>
+        <p:spPr>
+          <a:xfrm>
+            <a:off x="-17129" y="1558097"/>
+            <a:ext cx="12192000" cy="462833"/>
+          </a:xfrm>
+          <a:prstGeom prst="rect">
+            <a:avLst/>
+          </a:prstGeom>
+        </p:spPr>
+      </p:pic>
+      <p:pic>
+        <p:nvPicPr>
+          <p:cNvPr id="2" name="图片 1">
+            <a:extLst>
+              <a:ext uri="{FF2B5EF4-FFF2-40B4-BE49-F238E27FC236}">
+                <a16:creationId xmlns:a16="http://schemas.microsoft.com/office/drawing/2014/main" id="{66A8E76A-5904-7F5E-2CF4-A2EC61DF9636}"/>
+              </a:ext>
+            </a:extLst>
+          </p:cNvPr>
+          <p:cNvPicPr>
+            <a:picLocks noChangeAspect="1"/>
+          </p:cNvPicPr>
+          <p:nvPr/>
+        </p:nvPicPr>
+        <p:blipFill>
+          <a:blip r:embed="rId4"/>
+          <a:stretch>
+            <a:fillRect/>
+          </a:stretch>
+        </p:blipFill>
+        <p:spPr>
+          <a:xfrm>
+            <a:off x="1487488" y="3254102"/>
+            <a:ext cx="8162227" cy="796962"/>
+          </a:xfrm>
+          <a:prstGeom prst="rect">
+            <a:avLst/>
+          </a:prstGeom>
+        </p:spPr>
+      </p:pic>
+      <p:pic>
+        <p:nvPicPr>
+          <p:cNvPr id="7" name="图片 6">
+            <a:extLst>
+              <a:ext uri="{FF2B5EF4-FFF2-40B4-BE49-F238E27FC236}">
+                <a16:creationId xmlns:a16="http://schemas.microsoft.com/office/drawing/2014/main" id="{F37B379B-19C7-0AC0-4EC9-687EFC67915F}"/>
+              </a:ext>
+            </a:extLst>
+          </p:cNvPr>
+          <p:cNvPicPr>
+            <a:picLocks noChangeAspect="1"/>
+          </p:cNvPicPr>
+          <p:nvPr/>
+        </p:nvPicPr>
+        <p:blipFill>
+          <a:blip r:embed="rId5"/>
+          <a:stretch>
+            <a:fillRect/>
+          </a:stretch>
+        </p:blipFill>
+        <p:spPr>
+          <a:xfrm>
+            <a:off x="1487488" y="4605146"/>
+            <a:ext cx="8408539" cy="1253990"/>
+          </a:xfrm>
+          <a:prstGeom prst="rect">
+            <a:avLst/>
+          </a:prstGeom>
+        </p:spPr>
+      </p:pic>
+      <p:sp>
+        <p:nvSpPr>
+          <p:cNvPr id="8" name="文本框 7">
+            <a:extLst>
+              <a:ext uri="{FF2B5EF4-FFF2-40B4-BE49-F238E27FC236}">
+                <a16:creationId xmlns:a16="http://schemas.microsoft.com/office/drawing/2014/main" id="{8712D5E6-07C3-9124-F73E-CEDF6D6FEB31}"/>
+              </a:ext>
+            </a:extLst>
+          </p:cNvPr>
+          <p:cNvSpPr txBox="1"/>
+          <p:nvPr/>
+        </p:nvSpPr>
+        <p:spPr>
+          <a:xfrm>
+            <a:off x="1487488" y="4143439"/>
+            <a:ext cx="6192688" cy="369332"/>
+          </a:xfrm>
+          <a:prstGeom prst="rect">
+            <a:avLst/>
+          </a:prstGeom>
+          <a:noFill/>
+        </p:spPr>
+        <p:txBody>
+          <a:bodyPr wrap="square" rtlCol="0">
+            <a:spAutoFit/>
+          </a:bodyPr>
+          <a:lstStyle/>
+          <a:p>
+            <a:r>
+              <a:rPr lang="en-US" altLang="zh-CN" sz="1600" dirty="0" err="1"/>
+              <a:t>flower_photos_split</a:t>
+            </a:r>
+            <a:r>
+              <a:rPr lang="zh-CN" altLang="en-US" sz="1600" dirty="0"/>
+              <a:t>内的文件</a:t>
+            </a:r>
+            <a:r>
+              <a:rPr lang="zh-CN" altLang="en-US" dirty="0"/>
+              <a:t>：</a:t>
+            </a:r>
+          </a:p>
+        </p:txBody>
+      </p:sp>
     </p:spTree>
+    <p:extLst>
+      <p:ext uri="{BB962C8B-B14F-4D97-AF65-F5344CB8AC3E}">
+        <p14:creationId xmlns:p14="http://schemas.microsoft.com/office/powerpoint/2010/main" val="2400104315"/>
+      </p:ext>
+    </p:extLst>
   </p:cSld>
   <p:clrMapOvr>
     <a:masterClrMapping/>
@@ -9934,14 +11503,6 @@
 <file path=ppt/slides/slide7.xml><?xml version="1.0" encoding="utf-8"?>
 <p:sld xmlns:a="http://schemas.openxmlformats.org/drawingml/2006/main" xmlns:r="http://schemas.openxmlformats.org/officeDocument/2006/relationships" xmlns:p="http://schemas.openxmlformats.org/presentationml/2006/main">
   <p:cSld>
-    <p:bg>
-      <p:bgPr>
-        <a:solidFill>
-          <a:srgbClr val="316857"/>
-        </a:solidFill>
-        <a:effectLst/>
-      </p:bgPr>
-    </p:bg>
     <p:spTree>
       <p:nvGrpSpPr>
         <p:cNvPr id="1" name=""/>
@@ -9956,279 +11517,66 @@
           <a:chExt cx="0" cy="0"/>
         </a:xfrm>
       </p:grpSpPr>
-      <p:grpSp>
-        <p:nvGrpSpPr>
-          <p:cNvPr id="16387" name="组合 9"/>
-          <p:cNvGrpSpPr>
-            <a:grpSpLocks/>
-          </p:cNvGrpSpPr>
-          <p:nvPr/>
-        </p:nvGrpSpPr>
-        <p:grpSpPr bwMode="auto">
-          <a:xfrm rot="3489117">
-            <a:off x="4404245" y="2379365"/>
-            <a:ext cx="1368425" cy="1079500"/>
-            <a:chOff x="9031695" y="1802352"/>
-            <a:chExt cx="1064319" cy="840234"/>
-          </a:xfrm>
-        </p:grpSpPr>
-        <p:sp>
-          <p:nvSpPr>
-            <p:cNvPr id="7" name="任意多边形 6"/>
-            <p:cNvSpPr/>
-            <p:nvPr/>
-          </p:nvSpPr>
-          <p:spPr>
-            <a:xfrm>
-              <a:off x="9132586" y="2364674"/>
-              <a:ext cx="635875" cy="200173"/>
-            </a:xfrm>
-            <a:custGeom>
-              <a:avLst/>
-              <a:gdLst>
-                <a:gd name="connsiteX0" fmla="*/ 0 w 788790"/>
-                <a:gd name="connsiteY0" fmla="*/ 415946 h 415946"/>
-                <a:gd name="connsiteX1" fmla="*/ 210116 w 788790"/>
-                <a:gd name="connsiteY1" fmla="*/ 22225 h 415946"/>
-                <a:gd name="connsiteX2" fmla="*/ 424482 w 788790"/>
-                <a:gd name="connsiteY2" fmla="*/ 0 h 415946"/>
-                <a:gd name="connsiteX3" fmla="*/ 344406 w 788790"/>
-                <a:gd name="connsiteY3" fmla="*/ 150048 h 415946"/>
-                <a:gd name="connsiteX4" fmla="*/ 646889 w 788790"/>
-                <a:gd name="connsiteY4" fmla="*/ 150048 h 415946"/>
-                <a:gd name="connsiteX5" fmla="*/ 788790 w 788790"/>
-                <a:gd name="connsiteY5" fmla="*/ 415946 h 415946"/>
-              </a:gdLst>
-              <a:ahLst/>
-              <a:cxnLst>
-                <a:cxn ang="0">
-                  <a:pos x="connsiteX0" y="connsiteY0"/>
-                </a:cxn>
-                <a:cxn ang="0">
-                  <a:pos x="connsiteX1" y="connsiteY1"/>
-                </a:cxn>
-                <a:cxn ang="0">
-                  <a:pos x="connsiteX2" y="connsiteY2"/>
-                </a:cxn>
-                <a:cxn ang="0">
-                  <a:pos x="connsiteX3" y="connsiteY3"/>
-                </a:cxn>
-                <a:cxn ang="0">
-                  <a:pos x="connsiteX4" y="connsiteY4"/>
-                </a:cxn>
-                <a:cxn ang="0">
-                  <a:pos x="connsiteX5" y="connsiteY5"/>
-                </a:cxn>
-              </a:cxnLst>
-              <a:rect l="l" t="t" r="r" b="b"/>
-              <a:pathLst>
-                <a:path w="788790" h="415946">
-                  <a:moveTo>
-                    <a:pt x="0" y="415946"/>
-                  </a:moveTo>
-                  <a:lnTo>
-                    <a:pt x="210116" y="22225"/>
-                  </a:lnTo>
-                  <a:lnTo>
-                    <a:pt x="424482" y="0"/>
-                  </a:lnTo>
-                  <a:lnTo>
-                    <a:pt x="344406" y="150048"/>
-                  </a:lnTo>
-                  <a:lnTo>
-                    <a:pt x="646889" y="150048"/>
-                  </a:lnTo>
-                  <a:lnTo>
-                    <a:pt x="788790" y="415946"/>
-                  </a:lnTo>
-                  <a:close/>
-                </a:path>
-              </a:pathLst>
-            </a:custGeom>
-            <a:solidFill>
-              <a:srgbClr val="FFFFFF"/>
-            </a:solidFill>
-            <a:ln>
-              <a:solidFill>
-                <a:schemeClr val="bg1"/>
-              </a:solidFill>
-            </a:ln>
-          </p:spPr>
-          <p:style>
-            <a:lnRef idx="2">
-              <a:schemeClr val="accent1">
-                <a:shade val="50000"/>
-              </a:schemeClr>
-            </a:lnRef>
-            <a:fillRef idx="1">
-              <a:schemeClr val="accent1"/>
-            </a:fillRef>
-            <a:effectRef idx="0">
-              <a:schemeClr val="accent1"/>
-            </a:effectRef>
-            <a:fontRef idx="minor">
-              <a:schemeClr val="lt1"/>
-            </a:fontRef>
-          </p:style>
-          <p:txBody>
-            <a:bodyPr anchor="ctr"/>
-            <a:lstStyle/>
-            <a:p>
-              <a:pPr algn="ctr" eaLnBrk="1" hangingPunct="1">
-                <a:defRPr/>
-              </a:pPr>
-              <a:endParaRPr lang="zh-CN" altLang="en-US"/>
-            </a:p>
-          </p:txBody>
-        </p:sp>
-        <p:sp>
-          <p:nvSpPr>
-            <p:cNvPr id="8" name="等腰三角形 7"/>
-            <p:cNvSpPr/>
-            <p:nvPr/>
-          </p:nvSpPr>
-          <p:spPr>
-            <a:xfrm>
-              <a:off x="9031695" y="1802352"/>
-              <a:ext cx="1064319" cy="840234"/>
-            </a:xfrm>
-            <a:prstGeom prst="triangle">
-              <a:avLst/>
-            </a:prstGeom>
-            <a:noFill/>
-            <a:ln>
-              <a:solidFill>
-                <a:schemeClr val="bg1"/>
-              </a:solidFill>
-            </a:ln>
-          </p:spPr>
-          <p:style>
-            <a:lnRef idx="2">
-              <a:schemeClr val="accent1">
-                <a:shade val="50000"/>
-              </a:schemeClr>
-            </a:lnRef>
-            <a:fillRef idx="1">
-              <a:schemeClr val="accent1"/>
-            </a:fillRef>
-            <a:effectRef idx="0">
-              <a:schemeClr val="accent1"/>
-            </a:effectRef>
-            <a:fontRef idx="minor">
-              <a:schemeClr val="lt1"/>
-            </a:fontRef>
-          </p:style>
-          <p:txBody>
-            <a:bodyPr anchor="ctr"/>
-            <a:lstStyle/>
-            <a:p>
-              <a:pPr algn="ctr" eaLnBrk="1" hangingPunct="1">
-                <a:defRPr/>
-              </a:pPr>
-              <a:endParaRPr lang="zh-CN" altLang="en-US"/>
-            </a:p>
-          </p:txBody>
-        </p:sp>
-      </p:grpSp>
       <p:sp>
         <p:nvSpPr>
-          <p:cNvPr id="9" name="矩形 8"/>
+          <p:cNvPr id="4" name="文本框 3"/>
+          <p:cNvSpPr txBox="1"/>
+          <p:nvPr/>
+        </p:nvSpPr>
+        <p:spPr>
+          <a:xfrm>
+            <a:off x="263525" y="980728"/>
+            <a:ext cx="2879725" cy="422016"/>
+          </a:xfrm>
+          <a:prstGeom prst="rect">
+            <a:avLst/>
+          </a:prstGeom>
+          <a:noFill/>
+        </p:spPr>
+        <p:txBody>
+          <a:bodyPr lIns="121899" tIns="60949" rIns="121899" bIns="60949" anchor="ctr">
+            <a:spAutoFit/>
+          </a:bodyPr>
+          <a:lstStyle/>
+          <a:p>
+            <a:pPr eaLnBrk="1" hangingPunct="1">
+              <a:lnSpc>
+                <a:spcPct val="110000"/>
+              </a:lnSpc>
+              <a:defRPr/>
+            </a:pPr>
+            <a:r>
+              <a:rPr kumimoji="1" lang="zh-CN" altLang="en-US" sz="1867" b="1" dirty="0">
+                <a:solidFill>
+                  <a:srgbClr val="316857"/>
+                </a:solidFill>
+                <a:latin typeface="Calibri"/>
+                <a:ea typeface="宋体"/>
+                <a:cs typeface="微软雅黑"/>
+              </a:rPr>
+              <a:t>模型结构</a:t>
+            </a:r>
+            <a:endParaRPr kumimoji="1" lang="zh-CN" altLang="en-US" sz="2133" b="1" dirty="0">
+              <a:solidFill>
+                <a:srgbClr val="316857"/>
+              </a:solidFill>
+              <a:latin typeface="微软雅黑"/>
+              <a:ea typeface="微软雅黑"/>
+              <a:cs typeface="微软雅黑"/>
+            </a:endParaRPr>
+          </a:p>
+        </p:txBody>
+      </p:sp>
+      <p:sp>
+        <p:nvSpPr>
+          <p:cNvPr id="5" name="等腰三角形 4"/>
           <p:cNvSpPr/>
           <p:nvPr/>
         </p:nvSpPr>
         <p:spPr>
           <a:xfrm>
-            <a:off x="5159896" y="1988840"/>
-            <a:ext cx="2749550" cy="2003425"/>
-          </a:xfrm>
-          <a:prstGeom prst="rect">
-            <a:avLst/>
-          </a:prstGeom>
-        </p:spPr>
-        <p:txBody>
-          <a:bodyPr>
-            <a:spAutoFit/>
-          </a:bodyPr>
-          <a:lstStyle/>
-          <a:p>
-            <a:pPr algn="ctr" eaLnBrk="1" hangingPunct="1">
-              <a:lnSpc>
-                <a:spcPct val="90000"/>
-              </a:lnSpc>
-              <a:defRPr/>
-            </a:pPr>
-            <a:r>
-              <a:rPr kumimoji="1" lang="en-US" altLang="zh-CN" sz="13800" b="1" dirty="0">
-                <a:solidFill>
-                  <a:schemeClr val="bg1">
-                    <a:lumMod val="95000"/>
-                  </a:schemeClr>
-                </a:solidFill>
-              </a:rPr>
-              <a:t>04</a:t>
-            </a:r>
-            <a:endParaRPr kumimoji="1" lang="zh-CN" altLang="en-US" sz="13800" b="1" dirty="0">
-              <a:solidFill>
-                <a:schemeClr val="bg1">
-                  <a:lumMod val="95000"/>
-                </a:schemeClr>
-              </a:solidFill>
-            </a:endParaRPr>
-          </a:p>
-        </p:txBody>
-      </p:sp>
-      <p:sp>
-        <p:nvSpPr>
-          <p:cNvPr id="5" name="矩形 4"/>
-          <p:cNvSpPr/>
-          <p:nvPr/>
-        </p:nvSpPr>
-        <p:spPr>
-          <a:xfrm>
-            <a:off x="5232921" y="3530302"/>
-            <a:ext cx="2370137" cy="749300"/>
-          </a:xfrm>
-          <a:prstGeom prst="rect">
-            <a:avLst/>
-          </a:prstGeom>
-          <a:solidFill>
-            <a:srgbClr val="316857"/>
-          </a:solidFill>
-        </p:spPr>
-        <p:txBody>
-          <a:bodyPr wrap="none">
-            <a:spAutoFit/>
-          </a:bodyPr>
-          <a:lstStyle/>
-          <a:p>
-            <a:pPr eaLnBrk="1" hangingPunct="1">
-              <a:defRPr/>
-            </a:pPr>
-            <a:r>
-              <a:rPr kumimoji="1" lang="zh-CN" altLang="en-US" sz="4267" dirty="0">
-                <a:solidFill>
-                  <a:schemeClr val="bg1">
-                    <a:lumMod val="95000"/>
-                  </a:schemeClr>
-                </a:solidFill>
-                <a:latin typeface="微软雅黑" panose="020B0503020204020204" pitchFamily="34" charset="-122"/>
-                <a:ea typeface="微软雅黑" panose="020B0503020204020204" pitchFamily="34" charset="-122"/>
-              </a:rPr>
-              <a:t>产品展示</a:t>
-            </a:r>
-          </a:p>
-        </p:txBody>
-      </p:sp>
-      <p:sp>
-        <p:nvSpPr>
-          <p:cNvPr id="11" name="等腰三角形 10"/>
-          <p:cNvSpPr/>
-          <p:nvPr/>
-        </p:nvSpPr>
-        <p:spPr>
-          <a:xfrm>
-            <a:off x="4283596" y="3535065"/>
-            <a:ext cx="768350" cy="663575"/>
+            <a:off x="407988" y="304800"/>
+            <a:ext cx="561975" cy="536575"/>
           </a:xfrm>
           <a:prstGeom prst="triangle">
             <a:avLst/>
@@ -10236,20 +11584,19 @@
           <a:noFill/>
           <a:ln>
             <a:solidFill>
-              <a:schemeClr val="bg1"/>
+              <a:srgbClr val="1F1F1F"/>
             </a:solidFill>
           </a:ln>
+          <a:effectLst/>
         </p:spPr>
         <p:style>
-          <a:lnRef idx="2">
-            <a:schemeClr val="accent1">
-              <a:shade val="50000"/>
-            </a:schemeClr>
+          <a:lnRef idx="1">
+            <a:schemeClr val="accent1"/>
           </a:lnRef>
-          <a:fillRef idx="1">
+          <a:fillRef idx="3">
             <a:schemeClr val="accent1"/>
           </a:fillRef>
-          <a:effectRef idx="0">
+          <a:effectRef idx="2">
             <a:schemeClr val="accent1"/>
           </a:effectRef>
           <a:fontRef idx="minor">
@@ -10257,17 +11604,1475 @@
           </a:fontRef>
         </p:style>
         <p:txBody>
-          <a:bodyPr anchor="ctr"/>
+          <a:bodyPr lIns="121899" tIns="60949" rIns="121899" bIns="60949" anchor="ctr"/>
           <a:lstStyle/>
           <a:p>
             <a:pPr algn="ctr" eaLnBrk="1" hangingPunct="1">
               <a:defRPr/>
             </a:pPr>
-            <a:endParaRPr lang="zh-CN" altLang="en-US"/>
+            <a:endParaRPr kumimoji="1" lang="zh-CN" altLang="en-US" sz="1333" b="1" dirty="0">
+              <a:solidFill>
+                <a:srgbClr val="316857"/>
+              </a:solidFill>
+              <a:ea typeface="宋体"/>
+            </a:endParaRPr>
+          </a:p>
+        </p:txBody>
+      </p:sp>
+      <p:sp>
+        <p:nvSpPr>
+          <p:cNvPr id="20485" name="文本框 5"/>
+          <p:cNvSpPr txBox="1">
+            <a:spLocks noChangeArrowheads="1"/>
+          </p:cNvSpPr>
+          <p:nvPr/>
+        </p:nvSpPr>
+        <p:spPr bwMode="auto">
+          <a:xfrm>
+            <a:off x="263525" y="388421"/>
+            <a:ext cx="966931" cy="369332"/>
+          </a:xfrm>
+          <a:prstGeom prst="rect">
+            <a:avLst/>
+          </a:prstGeom>
+          <a:solidFill>
+            <a:schemeClr val="bg1"/>
+          </a:solidFill>
+          <a:ln w="9525">
+            <a:solidFill>
+              <a:schemeClr val="bg1"/>
+            </a:solidFill>
+            <a:miter lim="800000"/>
+            <a:headEnd/>
+            <a:tailEnd/>
+          </a:ln>
+        </p:spPr>
+        <p:txBody>
+          <a:bodyPr wrap="none">
+            <a:spAutoFit/>
+          </a:bodyPr>
+          <a:lstStyle>
+            <a:lvl1pPr>
+              <a:lnSpc>
+                <a:spcPct val="90000"/>
+              </a:lnSpc>
+              <a:spcBef>
+                <a:spcPts val="1000"/>
+              </a:spcBef>
+              <a:buFont typeface="Arial" panose="020B0604020202020204" pitchFamily="34" charset="0"/>
+              <a:buChar char="•"/>
+              <a:defRPr sz="2800">
+                <a:solidFill>
+                  <a:schemeClr val="tx1"/>
+                </a:solidFill>
+                <a:latin typeface="Calibri" panose="020F0502020204030204" pitchFamily="34" charset="0"/>
+                <a:ea typeface="等线" pitchFamily="2" charset="-122"/>
+              </a:defRPr>
+            </a:lvl1pPr>
+            <a:lvl2pPr marL="742950" indent="-285750">
+              <a:lnSpc>
+                <a:spcPct val="90000"/>
+              </a:lnSpc>
+              <a:spcBef>
+                <a:spcPts val="500"/>
+              </a:spcBef>
+              <a:buFont typeface="Arial" panose="020B0604020202020204" pitchFamily="34" charset="0"/>
+              <a:buChar char="•"/>
+              <a:defRPr sz="2400">
+                <a:solidFill>
+                  <a:schemeClr val="tx1"/>
+                </a:solidFill>
+                <a:latin typeface="Calibri" panose="020F0502020204030204" pitchFamily="34" charset="0"/>
+                <a:ea typeface="等线" pitchFamily="2" charset="-122"/>
+              </a:defRPr>
+            </a:lvl2pPr>
+            <a:lvl3pPr marL="1143000" indent="-228600">
+              <a:lnSpc>
+                <a:spcPct val="90000"/>
+              </a:lnSpc>
+              <a:spcBef>
+                <a:spcPts val="500"/>
+              </a:spcBef>
+              <a:buFont typeface="Arial" panose="020B0604020202020204" pitchFamily="34" charset="0"/>
+              <a:buChar char="•"/>
+              <a:defRPr sz="2000">
+                <a:solidFill>
+                  <a:schemeClr val="tx1"/>
+                </a:solidFill>
+                <a:latin typeface="Calibri" panose="020F0502020204030204" pitchFamily="34" charset="0"/>
+                <a:ea typeface="等线" pitchFamily="2" charset="-122"/>
+              </a:defRPr>
+            </a:lvl3pPr>
+            <a:lvl4pPr marL="1600200" indent="-228600">
+              <a:lnSpc>
+                <a:spcPct val="90000"/>
+              </a:lnSpc>
+              <a:spcBef>
+                <a:spcPts val="500"/>
+              </a:spcBef>
+              <a:buFont typeface="Arial" panose="020B0604020202020204" pitchFamily="34" charset="0"/>
+              <a:buChar char="•"/>
+              <a:defRPr>
+                <a:solidFill>
+                  <a:schemeClr val="tx1"/>
+                </a:solidFill>
+                <a:latin typeface="Calibri" panose="020F0502020204030204" pitchFamily="34" charset="0"/>
+                <a:ea typeface="等线" pitchFamily="2" charset="-122"/>
+              </a:defRPr>
+            </a:lvl4pPr>
+            <a:lvl5pPr marL="2057400" indent="-228600">
+              <a:lnSpc>
+                <a:spcPct val="90000"/>
+              </a:lnSpc>
+              <a:spcBef>
+                <a:spcPts val="500"/>
+              </a:spcBef>
+              <a:buFont typeface="Arial" panose="020B0604020202020204" pitchFamily="34" charset="0"/>
+              <a:buChar char="•"/>
+              <a:defRPr>
+                <a:solidFill>
+                  <a:schemeClr val="tx1"/>
+                </a:solidFill>
+                <a:latin typeface="Calibri" panose="020F0502020204030204" pitchFamily="34" charset="0"/>
+                <a:ea typeface="等线" pitchFamily="2" charset="-122"/>
+              </a:defRPr>
+            </a:lvl5pPr>
+            <a:lvl6pPr marL="2514600" indent="-228600" eaLnBrk="0" fontAlgn="base" hangingPunct="0">
+              <a:lnSpc>
+                <a:spcPct val="90000"/>
+              </a:lnSpc>
+              <a:spcBef>
+                <a:spcPts val="500"/>
+              </a:spcBef>
+              <a:spcAft>
+                <a:spcPct val="0"/>
+              </a:spcAft>
+              <a:buFont typeface="Arial" panose="020B0604020202020204" pitchFamily="34" charset="0"/>
+              <a:buChar char="•"/>
+              <a:defRPr>
+                <a:solidFill>
+                  <a:schemeClr val="tx1"/>
+                </a:solidFill>
+                <a:latin typeface="Calibri" panose="020F0502020204030204" pitchFamily="34" charset="0"/>
+                <a:ea typeface="等线" pitchFamily="2" charset="-122"/>
+              </a:defRPr>
+            </a:lvl6pPr>
+            <a:lvl7pPr marL="2971800" indent="-228600" eaLnBrk="0" fontAlgn="base" hangingPunct="0">
+              <a:lnSpc>
+                <a:spcPct val="90000"/>
+              </a:lnSpc>
+              <a:spcBef>
+                <a:spcPts val="500"/>
+              </a:spcBef>
+              <a:spcAft>
+                <a:spcPct val="0"/>
+              </a:spcAft>
+              <a:buFont typeface="Arial" panose="020B0604020202020204" pitchFamily="34" charset="0"/>
+              <a:buChar char="•"/>
+              <a:defRPr>
+                <a:solidFill>
+                  <a:schemeClr val="tx1"/>
+                </a:solidFill>
+                <a:latin typeface="Calibri" panose="020F0502020204030204" pitchFamily="34" charset="0"/>
+                <a:ea typeface="等线" pitchFamily="2" charset="-122"/>
+              </a:defRPr>
+            </a:lvl7pPr>
+            <a:lvl8pPr marL="3429000" indent="-228600" eaLnBrk="0" fontAlgn="base" hangingPunct="0">
+              <a:lnSpc>
+                <a:spcPct val="90000"/>
+              </a:lnSpc>
+              <a:spcBef>
+                <a:spcPts val="500"/>
+              </a:spcBef>
+              <a:spcAft>
+                <a:spcPct val="0"/>
+              </a:spcAft>
+              <a:buFont typeface="Arial" panose="020B0604020202020204" pitchFamily="34" charset="0"/>
+              <a:buChar char="•"/>
+              <a:defRPr>
+                <a:solidFill>
+                  <a:schemeClr val="tx1"/>
+                </a:solidFill>
+                <a:latin typeface="Calibri" panose="020F0502020204030204" pitchFamily="34" charset="0"/>
+                <a:ea typeface="等线" pitchFamily="2" charset="-122"/>
+              </a:defRPr>
+            </a:lvl8pPr>
+            <a:lvl9pPr marL="3886200" indent="-228600" eaLnBrk="0" fontAlgn="base" hangingPunct="0">
+              <a:lnSpc>
+                <a:spcPct val="90000"/>
+              </a:lnSpc>
+              <a:spcBef>
+                <a:spcPts val="500"/>
+              </a:spcBef>
+              <a:spcAft>
+                <a:spcPct val="0"/>
+              </a:spcAft>
+              <a:buFont typeface="Arial" panose="020B0604020202020204" pitchFamily="34" charset="0"/>
+              <a:buChar char="•"/>
+              <a:defRPr>
+                <a:solidFill>
+                  <a:schemeClr val="tx1"/>
+                </a:solidFill>
+                <a:latin typeface="Calibri" panose="020F0502020204030204" pitchFamily="34" charset="0"/>
+                <a:ea typeface="等线" pitchFamily="2" charset="-122"/>
+              </a:defRPr>
+            </a:lvl9pPr>
+          </a:lstStyle>
+          <a:p>
+            <a:pPr eaLnBrk="1" hangingPunct="1">
+              <a:lnSpc>
+                <a:spcPct val="100000"/>
+              </a:lnSpc>
+              <a:spcBef>
+                <a:spcPct val="0"/>
+              </a:spcBef>
+              <a:buFontTx/>
+              <a:buNone/>
+            </a:pPr>
+            <a:r>
+              <a:rPr lang="en-US" altLang="zh-CN" sz="1800" dirty="0">
+                <a:solidFill>
+                  <a:srgbClr val="316857"/>
+                </a:solidFill>
+                <a:latin typeface="Arial" panose="020B0604020202020204" pitchFamily="34" charset="0"/>
+                <a:ea typeface="宋体" panose="02010600030101010101" pitchFamily="2" charset="-122"/>
+              </a:rPr>
+              <a:t>THREE</a:t>
+            </a:r>
+            <a:endParaRPr lang="zh-CN" altLang="en-US" sz="1800" dirty="0">
+              <a:solidFill>
+                <a:srgbClr val="316857"/>
+              </a:solidFill>
+              <a:latin typeface="Arial" panose="020B0604020202020204" pitchFamily="34" charset="0"/>
+              <a:ea typeface="宋体" panose="02010600030101010101" pitchFamily="2" charset="-122"/>
+            </a:endParaRPr>
+          </a:p>
+        </p:txBody>
+      </p:sp>
+      <p:pic>
+        <p:nvPicPr>
+          <p:cNvPr id="6" name="图片 5">
+            <a:extLst>
+              <a:ext uri="{FF2B5EF4-FFF2-40B4-BE49-F238E27FC236}">
+                <a16:creationId xmlns:a16="http://schemas.microsoft.com/office/drawing/2014/main" id="{1FF3B9B7-565A-0AE7-028E-13FE3DBC2FA8}"/>
+              </a:ext>
+            </a:extLst>
+          </p:cNvPr>
+          <p:cNvPicPr>
+            <a:picLocks noChangeAspect="1"/>
+          </p:cNvPicPr>
+          <p:nvPr/>
+        </p:nvPicPr>
+        <p:blipFill>
+          <a:blip r:embed="rId3"/>
+          <a:stretch>
+            <a:fillRect/>
+          </a:stretch>
+        </p:blipFill>
+        <p:spPr>
+          <a:xfrm>
+            <a:off x="-17129" y="1558097"/>
+            <a:ext cx="12192000" cy="462833"/>
+          </a:xfrm>
+          <a:prstGeom prst="rect">
+            <a:avLst/>
+          </a:prstGeom>
+        </p:spPr>
+      </p:pic>
+      <p:sp>
+        <p:nvSpPr>
+          <p:cNvPr id="2" name="文本框 1">
+            <a:extLst>
+              <a:ext uri="{FF2B5EF4-FFF2-40B4-BE49-F238E27FC236}">
+                <a16:creationId xmlns:a16="http://schemas.microsoft.com/office/drawing/2014/main" id="{5D876B1B-0DEF-D3AE-5DB4-6BE0526F0E8A}"/>
+              </a:ext>
+            </a:extLst>
+          </p:cNvPr>
+          <p:cNvSpPr txBox="1"/>
+          <p:nvPr/>
+        </p:nvSpPr>
+        <p:spPr>
+          <a:xfrm>
+            <a:off x="263525" y="2276872"/>
+            <a:ext cx="11809139" cy="3778022"/>
+          </a:xfrm>
+          <a:prstGeom prst="rect">
+            <a:avLst/>
+          </a:prstGeom>
+          <a:noFill/>
+        </p:spPr>
+        <p:txBody>
+          <a:bodyPr wrap="square" rtlCol="0">
+            <a:spAutoFit/>
+          </a:bodyPr>
+          <a:lstStyle/>
+          <a:p>
+            <a:pPr>
+              <a:lnSpc>
+                <a:spcPct val="150000"/>
+              </a:lnSpc>
+            </a:pPr>
+            <a:r>
+              <a:rPr lang="zh-CN" altLang="en-US" dirty="0"/>
+              <a:t>程序采用了迁移学习方式与非迁移学习方式来分别训练模型。</a:t>
+            </a:r>
+            <a:endParaRPr lang="en-US" altLang="zh-CN" dirty="0"/>
+          </a:p>
+          <a:p>
+            <a:pPr>
+              <a:lnSpc>
+                <a:spcPct val="150000"/>
+              </a:lnSpc>
+            </a:pPr>
+            <a:r>
+              <a:rPr lang="zh-CN" altLang="en-US" dirty="0"/>
+              <a:t>其中，迁移学习方式即使用 </a:t>
+            </a:r>
+            <a:r>
+              <a:rPr lang="en-US" altLang="zh-CN" dirty="0" err="1"/>
+              <a:t>MobileNetV2</a:t>
+            </a:r>
+            <a:r>
+              <a:rPr lang="en-US" altLang="zh-CN" dirty="0"/>
+              <a:t> </a:t>
+            </a:r>
+            <a:r>
+              <a:rPr lang="zh-CN" altLang="en-US" dirty="0"/>
+              <a:t>预训练模型进行迁移学习。</a:t>
+            </a:r>
+            <a:r>
+              <a:rPr lang="en-US" altLang="zh-CN" dirty="0" err="1"/>
+              <a:t>MobileNetV2</a:t>
+            </a:r>
+            <a:r>
+              <a:rPr lang="zh-CN" altLang="en-US" dirty="0"/>
+              <a:t>是一种轻量级卷积神经网络架构，该预训练模型的参数可以在新的数据集上进行微调，从而提高模型在特定任务上的性能。</a:t>
+            </a:r>
+            <a:endParaRPr lang="en-US" altLang="zh-CN" dirty="0"/>
+          </a:p>
+          <a:p>
+            <a:pPr>
+              <a:lnSpc>
+                <a:spcPct val="150000"/>
+              </a:lnSpc>
+            </a:pPr>
+            <a:endParaRPr lang="en-US" altLang="zh-CN" dirty="0"/>
+          </a:p>
+          <a:p>
+            <a:pPr>
+              <a:lnSpc>
+                <a:spcPct val="150000"/>
+              </a:lnSpc>
+            </a:pPr>
+            <a:r>
+              <a:rPr lang="zh-CN" altLang="en-US" dirty="0"/>
+              <a:t>非迁移学习方式使用了自搭建的神经网络模型。</a:t>
+            </a:r>
+            <a:endParaRPr lang="en-US" altLang="zh-CN" dirty="0"/>
+          </a:p>
+          <a:p>
+            <a:pPr>
+              <a:lnSpc>
+                <a:spcPct val="150000"/>
+              </a:lnSpc>
+            </a:pPr>
+            <a:r>
+              <a:rPr lang="zh-CN" altLang="en-US" dirty="0"/>
+              <a:t>本模型采用</a:t>
+            </a:r>
+            <a:r>
+              <a:rPr lang="en-US" altLang="zh-CN" dirty="0"/>
+              <a:t>4</a:t>
+            </a:r>
+            <a:r>
+              <a:rPr lang="zh-CN" altLang="en-US" dirty="0"/>
+              <a:t>层卷积层和两个全连接的网络结构，在卷积层中使用</a:t>
+            </a:r>
+            <a:r>
+              <a:rPr lang="en-US" altLang="zh-CN" dirty="0"/>
+              <a:t>3×3</a:t>
+            </a:r>
+            <a:r>
+              <a:rPr lang="zh-CN" altLang="en-US" dirty="0"/>
+              <a:t>的卷积核并逐层增加卷积核数（增加数据通道数）。在每层卷积层之后，通过步长为</a:t>
+            </a:r>
+            <a:r>
+              <a:rPr lang="en-US" altLang="zh-CN" dirty="0"/>
+              <a:t>2</a:t>
+            </a:r>
+            <a:r>
+              <a:rPr lang="zh-CN" altLang="en-US" dirty="0"/>
+              <a:t>的最大值池化操作来减少数据维度。同时，在全连接层中使用</a:t>
+            </a:r>
+            <a:r>
+              <a:rPr lang="en-US" altLang="zh-CN" dirty="0"/>
+              <a:t>2048</a:t>
+            </a:r>
+            <a:r>
+              <a:rPr lang="zh-CN" altLang="en-US" dirty="0"/>
+              <a:t>个节点数和</a:t>
+            </a:r>
+            <a:r>
+              <a:rPr lang="en-US" altLang="zh-CN" dirty="0"/>
+              <a:t>1024</a:t>
+            </a:r>
+            <a:r>
+              <a:rPr lang="zh-CN" altLang="en-US" dirty="0"/>
+              <a:t>个节点数逐层减少特征值。在模型训练的时候，发现了很严重的过拟合问题，通过在特征值较多的网络层数上加上</a:t>
+            </a:r>
+            <a:r>
+              <a:rPr lang="en-US" altLang="zh-CN" dirty="0" err="1"/>
+              <a:t>L2</a:t>
+            </a:r>
+            <a:r>
+              <a:rPr lang="zh-CN" altLang="en-US" dirty="0"/>
+              <a:t>正则化来解决此问题。</a:t>
+            </a:r>
           </a:p>
         </p:txBody>
       </p:sp>
     </p:spTree>
+    <p:extLst>
+      <p:ext uri="{BB962C8B-B14F-4D97-AF65-F5344CB8AC3E}">
+        <p14:creationId xmlns:p14="http://schemas.microsoft.com/office/powerpoint/2010/main" val="460439588"/>
+      </p:ext>
+    </p:extLst>
+  </p:cSld>
+  <p:clrMapOvr>
+    <a:masterClrMapping/>
+  </p:clrMapOvr>
+</p:sld>
+</file>
+
+<file path=ppt/slides/slide8.xml><?xml version="1.0" encoding="utf-8"?>
+<p:sld xmlns:a="http://schemas.openxmlformats.org/drawingml/2006/main" xmlns:r="http://schemas.openxmlformats.org/officeDocument/2006/relationships" xmlns:p="http://schemas.openxmlformats.org/presentationml/2006/main">
+  <p:cSld>
+    <p:spTree>
+      <p:nvGrpSpPr>
+        <p:cNvPr id="1" name=""/>
+        <p:cNvGrpSpPr/>
+        <p:nvPr/>
+      </p:nvGrpSpPr>
+      <p:grpSpPr>
+        <a:xfrm>
+          <a:off x="0" y="0"/>
+          <a:ext cx="0" cy="0"/>
+          <a:chOff x="0" y="0"/>
+          <a:chExt cx="0" cy="0"/>
+        </a:xfrm>
+      </p:grpSpPr>
+      <p:sp>
+        <p:nvSpPr>
+          <p:cNvPr id="4" name="文本框 3"/>
+          <p:cNvSpPr txBox="1"/>
+          <p:nvPr/>
+        </p:nvSpPr>
+        <p:spPr>
+          <a:xfrm>
+            <a:off x="263525" y="980728"/>
+            <a:ext cx="2879725" cy="422016"/>
+          </a:xfrm>
+          <a:prstGeom prst="rect">
+            <a:avLst/>
+          </a:prstGeom>
+          <a:noFill/>
+        </p:spPr>
+        <p:txBody>
+          <a:bodyPr lIns="121899" tIns="60949" rIns="121899" bIns="60949" anchor="ctr">
+            <a:spAutoFit/>
+          </a:bodyPr>
+          <a:lstStyle/>
+          <a:p>
+            <a:pPr eaLnBrk="1" hangingPunct="1">
+              <a:lnSpc>
+                <a:spcPct val="110000"/>
+              </a:lnSpc>
+              <a:defRPr/>
+            </a:pPr>
+            <a:r>
+              <a:rPr kumimoji="1" lang="zh-CN" altLang="en-US" sz="1867" b="1" dirty="0">
+                <a:solidFill>
+                  <a:srgbClr val="316857"/>
+                </a:solidFill>
+                <a:latin typeface="Calibri"/>
+                <a:ea typeface="宋体"/>
+                <a:cs typeface="微软雅黑"/>
+              </a:rPr>
+              <a:t>模型结构</a:t>
+            </a:r>
+            <a:endParaRPr kumimoji="1" lang="zh-CN" altLang="en-US" sz="2133" b="1" dirty="0">
+              <a:solidFill>
+                <a:srgbClr val="316857"/>
+              </a:solidFill>
+              <a:latin typeface="微软雅黑"/>
+              <a:ea typeface="微软雅黑"/>
+              <a:cs typeface="微软雅黑"/>
+            </a:endParaRPr>
+          </a:p>
+        </p:txBody>
+      </p:sp>
+      <p:sp>
+        <p:nvSpPr>
+          <p:cNvPr id="5" name="等腰三角形 4"/>
+          <p:cNvSpPr/>
+          <p:nvPr/>
+        </p:nvSpPr>
+        <p:spPr>
+          <a:xfrm>
+            <a:off x="407988" y="304800"/>
+            <a:ext cx="561975" cy="536575"/>
+          </a:xfrm>
+          <a:prstGeom prst="triangle">
+            <a:avLst/>
+          </a:prstGeom>
+          <a:noFill/>
+          <a:ln>
+            <a:solidFill>
+              <a:srgbClr val="1F1F1F"/>
+            </a:solidFill>
+          </a:ln>
+          <a:effectLst/>
+        </p:spPr>
+        <p:style>
+          <a:lnRef idx="1">
+            <a:schemeClr val="accent1"/>
+          </a:lnRef>
+          <a:fillRef idx="3">
+            <a:schemeClr val="accent1"/>
+          </a:fillRef>
+          <a:effectRef idx="2">
+            <a:schemeClr val="accent1"/>
+          </a:effectRef>
+          <a:fontRef idx="minor">
+            <a:schemeClr val="lt1"/>
+          </a:fontRef>
+        </p:style>
+        <p:txBody>
+          <a:bodyPr lIns="121899" tIns="60949" rIns="121899" bIns="60949" anchor="ctr"/>
+          <a:lstStyle/>
+          <a:p>
+            <a:pPr algn="ctr" eaLnBrk="1" hangingPunct="1">
+              <a:defRPr/>
+            </a:pPr>
+            <a:endParaRPr kumimoji="1" lang="zh-CN" altLang="en-US" sz="1333" b="1" dirty="0">
+              <a:solidFill>
+                <a:srgbClr val="316857"/>
+              </a:solidFill>
+              <a:ea typeface="宋体"/>
+            </a:endParaRPr>
+          </a:p>
+        </p:txBody>
+      </p:sp>
+      <p:sp>
+        <p:nvSpPr>
+          <p:cNvPr id="20485" name="文本框 5"/>
+          <p:cNvSpPr txBox="1">
+            <a:spLocks noChangeArrowheads="1"/>
+          </p:cNvSpPr>
+          <p:nvPr/>
+        </p:nvSpPr>
+        <p:spPr bwMode="auto">
+          <a:xfrm>
+            <a:off x="263525" y="388421"/>
+            <a:ext cx="966931" cy="369332"/>
+          </a:xfrm>
+          <a:prstGeom prst="rect">
+            <a:avLst/>
+          </a:prstGeom>
+          <a:solidFill>
+            <a:schemeClr val="bg1"/>
+          </a:solidFill>
+          <a:ln w="9525">
+            <a:solidFill>
+              <a:schemeClr val="bg1"/>
+            </a:solidFill>
+            <a:miter lim="800000"/>
+            <a:headEnd/>
+            <a:tailEnd/>
+          </a:ln>
+        </p:spPr>
+        <p:txBody>
+          <a:bodyPr wrap="none">
+            <a:spAutoFit/>
+          </a:bodyPr>
+          <a:lstStyle>
+            <a:lvl1pPr>
+              <a:lnSpc>
+                <a:spcPct val="90000"/>
+              </a:lnSpc>
+              <a:spcBef>
+                <a:spcPts val="1000"/>
+              </a:spcBef>
+              <a:buFont typeface="Arial" panose="020B0604020202020204" pitchFamily="34" charset="0"/>
+              <a:buChar char="•"/>
+              <a:defRPr sz="2800">
+                <a:solidFill>
+                  <a:schemeClr val="tx1"/>
+                </a:solidFill>
+                <a:latin typeface="Calibri" panose="020F0502020204030204" pitchFamily="34" charset="0"/>
+                <a:ea typeface="等线" pitchFamily="2" charset="-122"/>
+              </a:defRPr>
+            </a:lvl1pPr>
+            <a:lvl2pPr marL="742950" indent="-285750">
+              <a:lnSpc>
+                <a:spcPct val="90000"/>
+              </a:lnSpc>
+              <a:spcBef>
+                <a:spcPts val="500"/>
+              </a:spcBef>
+              <a:buFont typeface="Arial" panose="020B0604020202020204" pitchFamily="34" charset="0"/>
+              <a:buChar char="•"/>
+              <a:defRPr sz="2400">
+                <a:solidFill>
+                  <a:schemeClr val="tx1"/>
+                </a:solidFill>
+                <a:latin typeface="Calibri" panose="020F0502020204030204" pitchFamily="34" charset="0"/>
+                <a:ea typeface="等线" pitchFamily="2" charset="-122"/>
+              </a:defRPr>
+            </a:lvl2pPr>
+            <a:lvl3pPr marL="1143000" indent="-228600">
+              <a:lnSpc>
+                <a:spcPct val="90000"/>
+              </a:lnSpc>
+              <a:spcBef>
+                <a:spcPts val="500"/>
+              </a:spcBef>
+              <a:buFont typeface="Arial" panose="020B0604020202020204" pitchFamily="34" charset="0"/>
+              <a:buChar char="•"/>
+              <a:defRPr sz="2000">
+                <a:solidFill>
+                  <a:schemeClr val="tx1"/>
+                </a:solidFill>
+                <a:latin typeface="Calibri" panose="020F0502020204030204" pitchFamily="34" charset="0"/>
+                <a:ea typeface="等线" pitchFamily="2" charset="-122"/>
+              </a:defRPr>
+            </a:lvl3pPr>
+            <a:lvl4pPr marL="1600200" indent="-228600">
+              <a:lnSpc>
+                <a:spcPct val="90000"/>
+              </a:lnSpc>
+              <a:spcBef>
+                <a:spcPts val="500"/>
+              </a:spcBef>
+              <a:buFont typeface="Arial" panose="020B0604020202020204" pitchFamily="34" charset="0"/>
+              <a:buChar char="•"/>
+              <a:defRPr>
+                <a:solidFill>
+                  <a:schemeClr val="tx1"/>
+                </a:solidFill>
+                <a:latin typeface="Calibri" panose="020F0502020204030204" pitchFamily="34" charset="0"/>
+                <a:ea typeface="等线" pitchFamily="2" charset="-122"/>
+              </a:defRPr>
+            </a:lvl4pPr>
+            <a:lvl5pPr marL="2057400" indent="-228600">
+              <a:lnSpc>
+                <a:spcPct val="90000"/>
+              </a:lnSpc>
+              <a:spcBef>
+                <a:spcPts val="500"/>
+              </a:spcBef>
+              <a:buFont typeface="Arial" panose="020B0604020202020204" pitchFamily="34" charset="0"/>
+              <a:buChar char="•"/>
+              <a:defRPr>
+                <a:solidFill>
+                  <a:schemeClr val="tx1"/>
+                </a:solidFill>
+                <a:latin typeface="Calibri" panose="020F0502020204030204" pitchFamily="34" charset="0"/>
+                <a:ea typeface="等线" pitchFamily="2" charset="-122"/>
+              </a:defRPr>
+            </a:lvl5pPr>
+            <a:lvl6pPr marL="2514600" indent="-228600" eaLnBrk="0" fontAlgn="base" hangingPunct="0">
+              <a:lnSpc>
+                <a:spcPct val="90000"/>
+              </a:lnSpc>
+              <a:spcBef>
+                <a:spcPts val="500"/>
+              </a:spcBef>
+              <a:spcAft>
+                <a:spcPct val="0"/>
+              </a:spcAft>
+              <a:buFont typeface="Arial" panose="020B0604020202020204" pitchFamily="34" charset="0"/>
+              <a:buChar char="•"/>
+              <a:defRPr>
+                <a:solidFill>
+                  <a:schemeClr val="tx1"/>
+                </a:solidFill>
+                <a:latin typeface="Calibri" panose="020F0502020204030204" pitchFamily="34" charset="0"/>
+                <a:ea typeface="等线" pitchFamily="2" charset="-122"/>
+              </a:defRPr>
+            </a:lvl6pPr>
+            <a:lvl7pPr marL="2971800" indent="-228600" eaLnBrk="0" fontAlgn="base" hangingPunct="0">
+              <a:lnSpc>
+                <a:spcPct val="90000"/>
+              </a:lnSpc>
+              <a:spcBef>
+                <a:spcPts val="500"/>
+              </a:spcBef>
+              <a:spcAft>
+                <a:spcPct val="0"/>
+              </a:spcAft>
+              <a:buFont typeface="Arial" panose="020B0604020202020204" pitchFamily="34" charset="0"/>
+              <a:buChar char="•"/>
+              <a:defRPr>
+                <a:solidFill>
+                  <a:schemeClr val="tx1"/>
+                </a:solidFill>
+                <a:latin typeface="Calibri" panose="020F0502020204030204" pitchFamily="34" charset="0"/>
+                <a:ea typeface="等线" pitchFamily="2" charset="-122"/>
+              </a:defRPr>
+            </a:lvl7pPr>
+            <a:lvl8pPr marL="3429000" indent="-228600" eaLnBrk="0" fontAlgn="base" hangingPunct="0">
+              <a:lnSpc>
+                <a:spcPct val="90000"/>
+              </a:lnSpc>
+              <a:spcBef>
+                <a:spcPts val="500"/>
+              </a:spcBef>
+              <a:spcAft>
+                <a:spcPct val="0"/>
+              </a:spcAft>
+              <a:buFont typeface="Arial" panose="020B0604020202020204" pitchFamily="34" charset="0"/>
+              <a:buChar char="•"/>
+              <a:defRPr>
+                <a:solidFill>
+                  <a:schemeClr val="tx1"/>
+                </a:solidFill>
+                <a:latin typeface="Calibri" panose="020F0502020204030204" pitchFamily="34" charset="0"/>
+                <a:ea typeface="等线" pitchFamily="2" charset="-122"/>
+              </a:defRPr>
+            </a:lvl8pPr>
+            <a:lvl9pPr marL="3886200" indent="-228600" eaLnBrk="0" fontAlgn="base" hangingPunct="0">
+              <a:lnSpc>
+                <a:spcPct val="90000"/>
+              </a:lnSpc>
+              <a:spcBef>
+                <a:spcPts val="500"/>
+              </a:spcBef>
+              <a:spcAft>
+                <a:spcPct val="0"/>
+              </a:spcAft>
+              <a:buFont typeface="Arial" panose="020B0604020202020204" pitchFamily="34" charset="0"/>
+              <a:buChar char="•"/>
+              <a:defRPr>
+                <a:solidFill>
+                  <a:schemeClr val="tx1"/>
+                </a:solidFill>
+                <a:latin typeface="Calibri" panose="020F0502020204030204" pitchFamily="34" charset="0"/>
+                <a:ea typeface="等线" pitchFamily="2" charset="-122"/>
+              </a:defRPr>
+            </a:lvl9pPr>
+          </a:lstStyle>
+          <a:p>
+            <a:pPr eaLnBrk="1" hangingPunct="1">
+              <a:lnSpc>
+                <a:spcPct val="100000"/>
+              </a:lnSpc>
+              <a:spcBef>
+                <a:spcPct val="0"/>
+              </a:spcBef>
+              <a:buFontTx/>
+              <a:buNone/>
+            </a:pPr>
+            <a:r>
+              <a:rPr lang="en-US" altLang="zh-CN" sz="1800" dirty="0">
+                <a:solidFill>
+                  <a:srgbClr val="316857"/>
+                </a:solidFill>
+                <a:latin typeface="Arial" panose="020B0604020202020204" pitchFamily="34" charset="0"/>
+                <a:ea typeface="宋体" panose="02010600030101010101" pitchFamily="2" charset="-122"/>
+              </a:rPr>
+              <a:t>THREE</a:t>
+            </a:r>
+            <a:endParaRPr lang="zh-CN" altLang="en-US" sz="1800" dirty="0">
+              <a:solidFill>
+                <a:srgbClr val="316857"/>
+              </a:solidFill>
+              <a:latin typeface="Arial" panose="020B0604020202020204" pitchFamily="34" charset="0"/>
+              <a:ea typeface="宋体" panose="02010600030101010101" pitchFamily="2" charset="-122"/>
+            </a:endParaRPr>
+          </a:p>
+        </p:txBody>
+      </p:sp>
+      <p:sp>
+        <p:nvSpPr>
+          <p:cNvPr id="3" name="文本框 2">
+            <a:extLst>
+              <a:ext uri="{FF2B5EF4-FFF2-40B4-BE49-F238E27FC236}">
+                <a16:creationId xmlns:a16="http://schemas.microsoft.com/office/drawing/2014/main" id="{8238AB97-6865-BFE5-938D-744CE85684C5}"/>
+              </a:ext>
+            </a:extLst>
+          </p:cNvPr>
+          <p:cNvSpPr txBox="1"/>
+          <p:nvPr/>
+        </p:nvSpPr>
+        <p:spPr>
+          <a:xfrm>
+            <a:off x="263525" y="2311660"/>
+            <a:ext cx="10737215" cy="496996"/>
+          </a:xfrm>
+          <a:prstGeom prst="rect">
+            <a:avLst/>
+          </a:prstGeom>
+          <a:noFill/>
+        </p:spPr>
+        <p:txBody>
+          <a:bodyPr wrap="square" rtlCol="0">
+            <a:spAutoFit/>
+          </a:bodyPr>
+          <a:lstStyle/>
+          <a:p>
+            <a:pPr>
+              <a:lnSpc>
+                <a:spcPct val="150000"/>
+              </a:lnSpc>
+            </a:pPr>
+            <a:r>
+              <a:rPr lang="zh-CN" altLang="en-US" sz="2000" dirty="0"/>
+              <a:t>自搭建神经网络结构图：</a:t>
+            </a:r>
+          </a:p>
+        </p:txBody>
+      </p:sp>
+      <p:pic>
+        <p:nvPicPr>
+          <p:cNvPr id="6" name="图片 5">
+            <a:extLst>
+              <a:ext uri="{FF2B5EF4-FFF2-40B4-BE49-F238E27FC236}">
+                <a16:creationId xmlns:a16="http://schemas.microsoft.com/office/drawing/2014/main" id="{1FF3B9B7-565A-0AE7-028E-13FE3DBC2FA8}"/>
+              </a:ext>
+            </a:extLst>
+          </p:cNvPr>
+          <p:cNvPicPr>
+            <a:picLocks noChangeAspect="1"/>
+          </p:cNvPicPr>
+          <p:nvPr/>
+        </p:nvPicPr>
+        <p:blipFill>
+          <a:blip r:embed="rId3"/>
+          <a:stretch>
+            <a:fillRect/>
+          </a:stretch>
+        </p:blipFill>
+        <p:spPr>
+          <a:xfrm>
+            <a:off x="-17129" y="1558097"/>
+            <a:ext cx="12192000" cy="462833"/>
+          </a:xfrm>
+          <a:prstGeom prst="rect">
+            <a:avLst/>
+          </a:prstGeom>
+        </p:spPr>
+      </p:pic>
+      <p:pic>
+        <p:nvPicPr>
+          <p:cNvPr id="11" name="图片 10">
+            <a:extLst>
+              <a:ext uri="{FF2B5EF4-FFF2-40B4-BE49-F238E27FC236}">
+                <a16:creationId xmlns:a16="http://schemas.microsoft.com/office/drawing/2014/main" id="{A3E057B5-9CDD-4CEF-4D71-CE8D3BAD9C6E}"/>
+              </a:ext>
+            </a:extLst>
+          </p:cNvPr>
+          <p:cNvPicPr>
+            <a:picLocks noChangeAspect="1"/>
+          </p:cNvPicPr>
+          <p:nvPr/>
+        </p:nvPicPr>
+        <p:blipFill>
+          <a:blip r:embed="rId4"/>
+          <a:stretch>
+            <a:fillRect/>
+          </a:stretch>
+        </p:blipFill>
+        <p:spPr>
+          <a:xfrm>
+            <a:off x="3431704" y="2037888"/>
+            <a:ext cx="8101840" cy="4055248"/>
+          </a:xfrm>
+          <a:prstGeom prst="rect">
+            <a:avLst/>
+          </a:prstGeom>
+        </p:spPr>
+      </p:pic>
+    </p:spTree>
+    <p:extLst>
+      <p:ext uri="{BB962C8B-B14F-4D97-AF65-F5344CB8AC3E}">
+        <p14:creationId xmlns:p14="http://schemas.microsoft.com/office/powerpoint/2010/main" val="1738643807"/>
+      </p:ext>
+    </p:extLst>
+  </p:cSld>
+  <p:clrMapOvr>
+    <a:masterClrMapping/>
+  </p:clrMapOvr>
+</p:sld>
+</file>
+
+<file path=ppt/slides/slide9.xml><?xml version="1.0" encoding="utf-8"?>
+<p:sld xmlns:a="http://schemas.openxmlformats.org/drawingml/2006/main" xmlns:r="http://schemas.openxmlformats.org/officeDocument/2006/relationships" xmlns:p="http://schemas.openxmlformats.org/presentationml/2006/main">
+  <p:cSld>
+    <p:spTree>
+      <p:nvGrpSpPr>
+        <p:cNvPr id="1" name=""/>
+        <p:cNvGrpSpPr/>
+        <p:nvPr/>
+      </p:nvGrpSpPr>
+      <p:grpSpPr>
+        <a:xfrm>
+          <a:off x="0" y="0"/>
+          <a:ext cx="0" cy="0"/>
+          <a:chOff x="0" y="0"/>
+          <a:chExt cx="0" cy="0"/>
+        </a:xfrm>
+      </p:grpSpPr>
+      <p:sp>
+        <p:nvSpPr>
+          <p:cNvPr id="4" name="文本框 3"/>
+          <p:cNvSpPr txBox="1"/>
+          <p:nvPr/>
+        </p:nvSpPr>
+        <p:spPr>
+          <a:xfrm>
+            <a:off x="263525" y="980728"/>
+            <a:ext cx="2879725" cy="422016"/>
+          </a:xfrm>
+          <a:prstGeom prst="rect">
+            <a:avLst/>
+          </a:prstGeom>
+          <a:noFill/>
+        </p:spPr>
+        <p:txBody>
+          <a:bodyPr lIns="121899" tIns="60949" rIns="121899" bIns="60949" anchor="ctr">
+            <a:spAutoFit/>
+          </a:bodyPr>
+          <a:lstStyle/>
+          <a:p>
+            <a:pPr eaLnBrk="1" hangingPunct="1">
+              <a:lnSpc>
+                <a:spcPct val="110000"/>
+              </a:lnSpc>
+              <a:defRPr/>
+            </a:pPr>
+            <a:r>
+              <a:rPr kumimoji="1" lang="zh-CN" altLang="en-US" sz="1867" b="1" dirty="0">
+                <a:solidFill>
+                  <a:srgbClr val="316857"/>
+                </a:solidFill>
+                <a:latin typeface="Calibri"/>
+                <a:ea typeface="宋体"/>
+                <a:cs typeface="微软雅黑"/>
+              </a:rPr>
+              <a:t>模型结构</a:t>
+            </a:r>
+            <a:endParaRPr kumimoji="1" lang="zh-CN" altLang="en-US" sz="2133" b="1" dirty="0">
+              <a:solidFill>
+                <a:srgbClr val="316857"/>
+              </a:solidFill>
+              <a:latin typeface="微软雅黑"/>
+              <a:ea typeface="微软雅黑"/>
+              <a:cs typeface="微软雅黑"/>
+            </a:endParaRPr>
+          </a:p>
+        </p:txBody>
+      </p:sp>
+      <p:sp>
+        <p:nvSpPr>
+          <p:cNvPr id="5" name="等腰三角形 4"/>
+          <p:cNvSpPr/>
+          <p:nvPr/>
+        </p:nvSpPr>
+        <p:spPr>
+          <a:xfrm>
+            <a:off x="407988" y="304800"/>
+            <a:ext cx="561975" cy="536575"/>
+          </a:xfrm>
+          <a:prstGeom prst="triangle">
+            <a:avLst/>
+          </a:prstGeom>
+          <a:noFill/>
+          <a:ln>
+            <a:solidFill>
+              <a:srgbClr val="1F1F1F"/>
+            </a:solidFill>
+          </a:ln>
+          <a:effectLst/>
+        </p:spPr>
+        <p:style>
+          <a:lnRef idx="1">
+            <a:schemeClr val="accent1"/>
+          </a:lnRef>
+          <a:fillRef idx="3">
+            <a:schemeClr val="accent1"/>
+          </a:fillRef>
+          <a:effectRef idx="2">
+            <a:schemeClr val="accent1"/>
+          </a:effectRef>
+          <a:fontRef idx="minor">
+            <a:schemeClr val="lt1"/>
+          </a:fontRef>
+        </p:style>
+        <p:txBody>
+          <a:bodyPr lIns="121899" tIns="60949" rIns="121899" bIns="60949" anchor="ctr"/>
+          <a:lstStyle/>
+          <a:p>
+            <a:pPr algn="ctr" eaLnBrk="1" hangingPunct="1">
+              <a:defRPr/>
+            </a:pPr>
+            <a:endParaRPr kumimoji="1" lang="zh-CN" altLang="en-US" sz="1333" b="1" dirty="0">
+              <a:solidFill>
+                <a:srgbClr val="316857"/>
+              </a:solidFill>
+              <a:ea typeface="宋体"/>
+            </a:endParaRPr>
+          </a:p>
+        </p:txBody>
+      </p:sp>
+      <p:sp>
+        <p:nvSpPr>
+          <p:cNvPr id="20485" name="文本框 5"/>
+          <p:cNvSpPr txBox="1">
+            <a:spLocks noChangeArrowheads="1"/>
+          </p:cNvSpPr>
+          <p:nvPr/>
+        </p:nvSpPr>
+        <p:spPr bwMode="auto">
+          <a:xfrm>
+            <a:off x="263525" y="388421"/>
+            <a:ext cx="966931" cy="369332"/>
+          </a:xfrm>
+          <a:prstGeom prst="rect">
+            <a:avLst/>
+          </a:prstGeom>
+          <a:solidFill>
+            <a:schemeClr val="bg1"/>
+          </a:solidFill>
+          <a:ln w="9525">
+            <a:solidFill>
+              <a:schemeClr val="bg1"/>
+            </a:solidFill>
+            <a:miter lim="800000"/>
+            <a:headEnd/>
+            <a:tailEnd/>
+          </a:ln>
+        </p:spPr>
+        <p:txBody>
+          <a:bodyPr wrap="none">
+            <a:spAutoFit/>
+          </a:bodyPr>
+          <a:lstStyle>
+            <a:lvl1pPr>
+              <a:lnSpc>
+                <a:spcPct val="90000"/>
+              </a:lnSpc>
+              <a:spcBef>
+                <a:spcPts val="1000"/>
+              </a:spcBef>
+              <a:buFont typeface="Arial" panose="020B0604020202020204" pitchFamily="34" charset="0"/>
+              <a:buChar char="•"/>
+              <a:defRPr sz="2800">
+                <a:solidFill>
+                  <a:schemeClr val="tx1"/>
+                </a:solidFill>
+                <a:latin typeface="Calibri" panose="020F0502020204030204" pitchFamily="34" charset="0"/>
+                <a:ea typeface="等线" pitchFamily="2" charset="-122"/>
+              </a:defRPr>
+            </a:lvl1pPr>
+            <a:lvl2pPr marL="742950" indent="-285750">
+              <a:lnSpc>
+                <a:spcPct val="90000"/>
+              </a:lnSpc>
+              <a:spcBef>
+                <a:spcPts val="500"/>
+              </a:spcBef>
+              <a:buFont typeface="Arial" panose="020B0604020202020204" pitchFamily="34" charset="0"/>
+              <a:buChar char="•"/>
+              <a:defRPr sz="2400">
+                <a:solidFill>
+                  <a:schemeClr val="tx1"/>
+                </a:solidFill>
+                <a:latin typeface="Calibri" panose="020F0502020204030204" pitchFamily="34" charset="0"/>
+                <a:ea typeface="等线" pitchFamily="2" charset="-122"/>
+              </a:defRPr>
+            </a:lvl2pPr>
+            <a:lvl3pPr marL="1143000" indent="-228600">
+              <a:lnSpc>
+                <a:spcPct val="90000"/>
+              </a:lnSpc>
+              <a:spcBef>
+                <a:spcPts val="500"/>
+              </a:spcBef>
+              <a:buFont typeface="Arial" panose="020B0604020202020204" pitchFamily="34" charset="0"/>
+              <a:buChar char="•"/>
+              <a:defRPr sz="2000">
+                <a:solidFill>
+                  <a:schemeClr val="tx1"/>
+                </a:solidFill>
+                <a:latin typeface="Calibri" panose="020F0502020204030204" pitchFamily="34" charset="0"/>
+                <a:ea typeface="等线" pitchFamily="2" charset="-122"/>
+              </a:defRPr>
+            </a:lvl3pPr>
+            <a:lvl4pPr marL="1600200" indent="-228600">
+              <a:lnSpc>
+                <a:spcPct val="90000"/>
+              </a:lnSpc>
+              <a:spcBef>
+                <a:spcPts val="500"/>
+              </a:spcBef>
+              <a:buFont typeface="Arial" panose="020B0604020202020204" pitchFamily="34" charset="0"/>
+              <a:buChar char="•"/>
+              <a:defRPr>
+                <a:solidFill>
+                  <a:schemeClr val="tx1"/>
+                </a:solidFill>
+                <a:latin typeface="Calibri" panose="020F0502020204030204" pitchFamily="34" charset="0"/>
+                <a:ea typeface="等线" pitchFamily="2" charset="-122"/>
+              </a:defRPr>
+            </a:lvl4pPr>
+            <a:lvl5pPr marL="2057400" indent="-228600">
+              <a:lnSpc>
+                <a:spcPct val="90000"/>
+              </a:lnSpc>
+              <a:spcBef>
+                <a:spcPts val="500"/>
+              </a:spcBef>
+              <a:buFont typeface="Arial" panose="020B0604020202020204" pitchFamily="34" charset="0"/>
+              <a:buChar char="•"/>
+              <a:defRPr>
+                <a:solidFill>
+                  <a:schemeClr val="tx1"/>
+                </a:solidFill>
+                <a:latin typeface="Calibri" panose="020F0502020204030204" pitchFamily="34" charset="0"/>
+                <a:ea typeface="等线" pitchFamily="2" charset="-122"/>
+              </a:defRPr>
+            </a:lvl5pPr>
+            <a:lvl6pPr marL="2514600" indent="-228600" eaLnBrk="0" fontAlgn="base" hangingPunct="0">
+              <a:lnSpc>
+                <a:spcPct val="90000"/>
+              </a:lnSpc>
+              <a:spcBef>
+                <a:spcPts val="500"/>
+              </a:spcBef>
+              <a:spcAft>
+                <a:spcPct val="0"/>
+              </a:spcAft>
+              <a:buFont typeface="Arial" panose="020B0604020202020204" pitchFamily="34" charset="0"/>
+              <a:buChar char="•"/>
+              <a:defRPr>
+                <a:solidFill>
+                  <a:schemeClr val="tx1"/>
+                </a:solidFill>
+                <a:latin typeface="Calibri" panose="020F0502020204030204" pitchFamily="34" charset="0"/>
+                <a:ea typeface="等线" pitchFamily="2" charset="-122"/>
+              </a:defRPr>
+            </a:lvl6pPr>
+            <a:lvl7pPr marL="2971800" indent="-228600" eaLnBrk="0" fontAlgn="base" hangingPunct="0">
+              <a:lnSpc>
+                <a:spcPct val="90000"/>
+              </a:lnSpc>
+              <a:spcBef>
+                <a:spcPts val="500"/>
+              </a:spcBef>
+              <a:spcAft>
+                <a:spcPct val="0"/>
+              </a:spcAft>
+              <a:buFont typeface="Arial" panose="020B0604020202020204" pitchFamily="34" charset="0"/>
+              <a:buChar char="•"/>
+              <a:defRPr>
+                <a:solidFill>
+                  <a:schemeClr val="tx1"/>
+                </a:solidFill>
+                <a:latin typeface="Calibri" panose="020F0502020204030204" pitchFamily="34" charset="0"/>
+                <a:ea typeface="等线" pitchFamily="2" charset="-122"/>
+              </a:defRPr>
+            </a:lvl7pPr>
+            <a:lvl8pPr marL="3429000" indent="-228600" eaLnBrk="0" fontAlgn="base" hangingPunct="0">
+              <a:lnSpc>
+                <a:spcPct val="90000"/>
+              </a:lnSpc>
+              <a:spcBef>
+                <a:spcPts val="500"/>
+              </a:spcBef>
+              <a:spcAft>
+                <a:spcPct val="0"/>
+              </a:spcAft>
+              <a:buFont typeface="Arial" panose="020B0604020202020204" pitchFamily="34" charset="0"/>
+              <a:buChar char="•"/>
+              <a:defRPr>
+                <a:solidFill>
+                  <a:schemeClr val="tx1"/>
+                </a:solidFill>
+                <a:latin typeface="Calibri" panose="020F0502020204030204" pitchFamily="34" charset="0"/>
+                <a:ea typeface="等线" pitchFamily="2" charset="-122"/>
+              </a:defRPr>
+            </a:lvl8pPr>
+            <a:lvl9pPr marL="3886200" indent="-228600" eaLnBrk="0" fontAlgn="base" hangingPunct="0">
+              <a:lnSpc>
+                <a:spcPct val="90000"/>
+              </a:lnSpc>
+              <a:spcBef>
+                <a:spcPts val="500"/>
+              </a:spcBef>
+              <a:spcAft>
+                <a:spcPct val="0"/>
+              </a:spcAft>
+              <a:buFont typeface="Arial" panose="020B0604020202020204" pitchFamily="34" charset="0"/>
+              <a:buChar char="•"/>
+              <a:defRPr>
+                <a:solidFill>
+                  <a:schemeClr val="tx1"/>
+                </a:solidFill>
+                <a:latin typeface="Calibri" panose="020F0502020204030204" pitchFamily="34" charset="0"/>
+                <a:ea typeface="等线" pitchFamily="2" charset="-122"/>
+              </a:defRPr>
+            </a:lvl9pPr>
+          </a:lstStyle>
+          <a:p>
+            <a:pPr eaLnBrk="1" hangingPunct="1">
+              <a:lnSpc>
+                <a:spcPct val="100000"/>
+              </a:lnSpc>
+              <a:spcBef>
+                <a:spcPct val="0"/>
+              </a:spcBef>
+              <a:buFontTx/>
+              <a:buNone/>
+            </a:pPr>
+            <a:r>
+              <a:rPr lang="en-US" altLang="zh-CN" sz="1800" dirty="0">
+                <a:solidFill>
+                  <a:srgbClr val="316857"/>
+                </a:solidFill>
+                <a:latin typeface="Arial" panose="020B0604020202020204" pitchFamily="34" charset="0"/>
+                <a:ea typeface="宋体" panose="02010600030101010101" pitchFamily="2" charset="-122"/>
+              </a:rPr>
+              <a:t>THREE</a:t>
+            </a:r>
+            <a:endParaRPr lang="zh-CN" altLang="en-US" sz="1800" dirty="0">
+              <a:solidFill>
+                <a:srgbClr val="316857"/>
+              </a:solidFill>
+              <a:latin typeface="Arial" panose="020B0604020202020204" pitchFamily="34" charset="0"/>
+              <a:ea typeface="宋体" panose="02010600030101010101" pitchFamily="2" charset="-122"/>
+            </a:endParaRPr>
+          </a:p>
+        </p:txBody>
+      </p:sp>
+      <p:pic>
+        <p:nvPicPr>
+          <p:cNvPr id="6" name="图片 5">
+            <a:extLst>
+              <a:ext uri="{FF2B5EF4-FFF2-40B4-BE49-F238E27FC236}">
+                <a16:creationId xmlns:a16="http://schemas.microsoft.com/office/drawing/2014/main" id="{1FF3B9B7-565A-0AE7-028E-13FE3DBC2FA8}"/>
+              </a:ext>
+            </a:extLst>
+          </p:cNvPr>
+          <p:cNvPicPr>
+            <a:picLocks noChangeAspect="1"/>
+          </p:cNvPicPr>
+          <p:nvPr/>
+        </p:nvPicPr>
+        <p:blipFill>
+          <a:blip r:embed="rId3"/>
+          <a:stretch>
+            <a:fillRect/>
+          </a:stretch>
+        </p:blipFill>
+        <p:spPr>
+          <a:xfrm>
+            <a:off x="-17129" y="1558097"/>
+            <a:ext cx="12192000" cy="462833"/>
+          </a:xfrm>
+          <a:prstGeom prst="rect">
+            <a:avLst/>
+          </a:prstGeom>
+        </p:spPr>
+      </p:pic>
+      <p:sp>
+        <p:nvSpPr>
+          <p:cNvPr id="2" name="文本框 1">
+            <a:extLst>
+              <a:ext uri="{FF2B5EF4-FFF2-40B4-BE49-F238E27FC236}">
+                <a16:creationId xmlns:a16="http://schemas.microsoft.com/office/drawing/2014/main" id="{766CE7CE-8A3E-1B87-7D8E-C6FE1520C9A3}"/>
+              </a:ext>
+            </a:extLst>
+          </p:cNvPr>
+          <p:cNvSpPr txBox="1"/>
+          <p:nvPr/>
+        </p:nvSpPr>
+        <p:spPr>
+          <a:xfrm>
+            <a:off x="407988" y="2203088"/>
+            <a:ext cx="5040387" cy="400110"/>
+          </a:xfrm>
+          <a:prstGeom prst="rect">
+            <a:avLst/>
+          </a:prstGeom>
+          <a:noFill/>
+        </p:spPr>
+        <p:txBody>
+          <a:bodyPr wrap="square" rtlCol="0">
+            <a:spAutoFit/>
+          </a:bodyPr>
+          <a:lstStyle/>
+          <a:p>
+            <a:r>
+              <a:rPr lang="zh-CN" altLang="en-US" sz="2000" dirty="0"/>
+              <a:t>模型运行结果：</a:t>
+            </a:r>
+          </a:p>
+        </p:txBody>
+      </p:sp>
+      <p:pic>
+        <p:nvPicPr>
+          <p:cNvPr id="8" name="图片 7">
+            <a:extLst>
+              <a:ext uri="{FF2B5EF4-FFF2-40B4-BE49-F238E27FC236}">
+                <a16:creationId xmlns:a16="http://schemas.microsoft.com/office/drawing/2014/main" id="{EFCF0621-8BF3-6996-7318-B88825BA435F}"/>
+              </a:ext>
+            </a:extLst>
+          </p:cNvPr>
+          <p:cNvPicPr>
+            <a:picLocks noChangeAspect="1"/>
+          </p:cNvPicPr>
+          <p:nvPr/>
+        </p:nvPicPr>
+        <p:blipFill>
+          <a:blip r:embed="rId4">
+            <a:extLst>
+              <a:ext uri="{28A0092B-C50C-407E-A947-70E740481C1C}">
+                <a14:useLocalDpi xmlns:a14="http://schemas.microsoft.com/office/drawing/2010/main" val="0"/>
+              </a:ext>
+            </a:extLst>
+          </a:blip>
+          <a:stretch>
+            <a:fillRect/>
+          </a:stretch>
+        </p:blipFill>
+        <p:spPr>
+          <a:xfrm>
+            <a:off x="0" y="2603198"/>
+            <a:ext cx="4072644" cy="4072644"/>
+          </a:xfrm>
+          <a:prstGeom prst="rect">
+            <a:avLst/>
+          </a:prstGeom>
+        </p:spPr>
+      </p:pic>
+      <p:sp>
+        <p:nvSpPr>
+          <p:cNvPr id="9" name="文本框 8">
+            <a:extLst>
+              <a:ext uri="{FF2B5EF4-FFF2-40B4-BE49-F238E27FC236}">
+                <a16:creationId xmlns:a16="http://schemas.microsoft.com/office/drawing/2014/main" id="{079D139F-1AF7-0588-C044-F18627D66A79}"/>
+              </a:ext>
+            </a:extLst>
+          </p:cNvPr>
+          <p:cNvSpPr txBox="1"/>
+          <p:nvPr/>
+        </p:nvSpPr>
+        <p:spPr>
+          <a:xfrm>
+            <a:off x="8400256" y="3442138"/>
+            <a:ext cx="5839780" cy="1703030"/>
+          </a:xfrm>
+          <a:prstGeom prst="rect">
+            <a:avLst/>
+          </a:prstGeom>
+          <a:noFill/>
+        </p:spPr>
+        <p:txBody>
+          <a:bodyPr wrap="square" rtlCol="0">
+            <a:spAutoFit/>
+          </a:bodyPr>
+          <a:lstStyle/>
+          <a:p>
+            <a:pPr>
+              <a:lnSpc>
+                <a:spcPct val="150000"/>
+              </a:lnSpc>
+            </a:pPr>
+            <a:r>
+              <a:rPr lang="zh-CN" altLang="en-US" dirty="0"/>
+              <a:t>自构建模型最终的准确度为：</a:t>
+            </a:r>
+            <a:endParaRPr lang="en-US" altLang="zh-CN" dirty="0"/>
+          </a:p>
+          <a:p>
+            <a:pPr>
+              <a:lnSpc>
+                <a:spcPct val="150000"/>
+              </a:lnSpc>
+            </a:pPr>
+            <a:r>
+              <a:rPr lang="en-US" altLang="zh-CN" dirty="0"/>
+              <a:t>68.99%</a:t>
+            </a:r>
+          </a:p>
+          <a:p>
+            <a:pPr>
+              <a:lnSpc>
+                <a:spcPct val="150000"/>
+              </a:lnSpc>
+            </a:pPr>
+            <a:r>
+              <a:rPr lang="zh-CN" altLang="en-US" dirty="0"/>
+              <a:t>迁移学习模型最终的准确度为：</a:t>
+            </a:r>
+            <a:endParaRPr lang="en-US" altLang="zh-CN" dirty="0"/>
+          </a:p>
+          <a:p>
+            <a:pPr>
+              <a:lnSpc>
+                <a:spcPct val="150000"/>
+              </a:lnSpc>
+            </a:pPr>
+            <a:r>
+              <a:rPr lang="en-US" altLang="zh-CN" dirty="0"/>
+              <a:t>95.35%</a:t>
+            </a:r>
+          </a:p>
+        </p:txBody>
+      </p:sp>
+      <p:pic>
+        <p:nvPicPr>
+          <p:cNvPr id="7" name="图片 6">
+            <a:extLst>
+              <a:ext uri="{FF2B5EF4-FFF2-40B4-BE49-F238E27FC236}">
+                <a16:creationId xmlns:a16="http://schemas.microsoft.com/office/drawing/2014/main" id="{91A5CC8F-EBFA-3373-81C0-EED10F95A729}"/>
+              </a:ext>
+            </a:extLst>
+          </p:cNvPr>
+          <p:cNvPicPr>
+            <a:picLocks noChangeAspect="1"/>
+          </p:cNvPicPr>
+          <p:nvPr/>
+        </p:nvPicPr>
+        <p:blipFill>
+          <a:blip r:embed="rId5">
+            <a:extLst>
+              <a:ext uri="{28A0092B-C50C-407E-A947-70E740481C1C}">
+                <a14:useLocalDpi xmlns:a14="http://schemas.microsoft.com/office/drawing/2010/main" val="0"/>
+              </a:ext>
+            </a:extLst>
+          </a:blip>
+          <a:stretch>
+            <a:fillRect/>
+          </a:stretch>
+        </p:blipFill>
+        <p:spPr>
+          <a:xfrm>
+            <a:off x="4220354" y="2636912"/>
+            <a:ext cx="4072644" cy="4072644"/>
+          </a:xfrm>
+          <a:prstGeom prst="rect">
+            <a:avLst/>
+          </a:prstGeom>
+        </p:spPr>
+      </p:pic>
+    </p:spTree>
+    <p:extLst>
+      <p:ext uri="{BB962C8B-B14F-4D97-AF65-F5344CB8AC3E}">
+        <p14:creationId xmlns:p14="http://schemas.microsoft.com/office/powerpoint/2010/main" val="152333589"/>
+      </p:ext>
+    </p:extLst>
   </p:cSld>
   <p:clrMapOvr>
     <a:masterClrMapping/>
